--- a/0.Introduction_part1/Introduction.pptx
+++ b/0.Introduction_part1/Introduction.pptx
@@ -228,7 +228,7 @@
           <a:p>
             <a:fld id="{7FCDCAFE-ED6D-40DE-BB2A-6C2FAE0E1B23}" type="datetimeFigureOut">
               <a:rPr lang="en-US" smtClean="0"/>
-              <a:t>1/23/2013</a:t>
+              <a:t>3/20/2013</a:t>
             </a:fld>
             <a:endParaRPr lang="en-US"/>
           </a:p>
@@ -3245,7 +3245,7 @@
             <a:fld id="{1D8BD707-D9CF-40AE-B4C6-C98DA3205C09}" type="datetimeFigureOut">
               <a:rPr lang="en-US" smtClean="0"/>
               <a:pPr/>
-              <a:t>1/23/2013</a:t>
+              <a:t>3/20/2013</a:t>
             </a:fld>
             <a:endParaRPr lang="en-US"/>
           </a:p>
@@ -3412,7 +3412,7 @@
             <a:fld id="{1D8BD707-D9CF-40AE-B4C6-C98DA3205C09}" type="datetimeFigureOut">
               <a:rPr lang="en-US" smtClean="0"/>
               <a:pPr/>
-              <a:t>1/23/2013</a:t>
+              <a:t>3/20/2013</a:t>
             </a:fld>
             <a:endParaRPr lang="en-US"/>
           </a:p>
@@ -3589,7 +3589,7 @@
             <a:fld id="{1D8BD707-D9CF-40AE-B4C6-C98DA3205C09}" type="datetimeFigureOut">
               <a:rPr lang="en-US" smtClean="0"/>
               <a:pPr/>
-              <a:t>1/23/2013</a:t>
+              <a:t>3/20/2013</a:t>
             </a:fld>
             <a:endParaRPr lang="en-US"/>
           </a:p>
@@ -3756,7 +3756,7 @@
             <a:fld id="{1D8BD707-D9CF-40AE-B4C6-C98DA3205C09}" type="datetimeFigureOut">
               <a:rPr lang="en-US" smtClean="0"/>
               <a:pPr/>
-              <a:t>1/23/2013</a:t>
+              <a:t>3/20/2013</a:t>
             </a:fld>
             <a:endParaRPr lang="en-US"/>
           </a:p>
@@ -3999,7 +3999,7 @@
             <a:fld id="{1D8BD707-D9CF-40AE-B4C6-C98DA3205C09}" type="datetimeFigureOut">
               <a:rPr lang="en-US" smtClean="0"/>
               <a:pPr/>
-              <a:t>1/23/2013</a:t>
+              <a:t>3/20/2013</a:t>
             </a:fld>
             <a:endParaRPr lang="en-US"/>
           </a:p>
@@ -4284,7 +4284,7 @@
             <a:fld id="{1D8BD707-D9CF-40AE-B4C6-C98DA3205C09}" type="datetimeFigureOut">
               <a:rPr lang="en-US" smtClean="0"/>
               <a:pPr/>
-              <a:t>1/23/2013</a:t>
+              <a:t>3/20/2013</a:t>
             </a:fld>
             <a:endParaRPr lang="en-US"/>
           </a:p>
@@ -4703,7 +4703,7 @@
             <a:fld id="{1D8BD707-D9CF-40AE-B4C6-C98DA3205C09}" type="datetimeFigureOut">
               <a:rPr lang="en-US" smtClean="0"/>
               <a:pPr/>
-              <a:t>1/23/2013</a:t>
+              <a:t>3/20/2013</a:t>
             </a:fld>
             <a:endParaRPr lang="en-US"/>
           </a:p>
@@ -4818,7 +4818,7 @@
             <a:fld id="{1D8BD707-D9CF-40AE-B4C6-C98DA3205C09}" type="datetimeFigureOut">
               <a:rPr lang="en-US" smtClean="0"/>
               <a:pPr/>
-              <a:t>1/23/2013</a:t>
+              <a:t>3/20/2013</a:t>
             </a:fld>
             <a:endParaRPr lang="en-US"/>
           </a:p>
@@ -4910,7 +4910,7 @@
             <a:fld id="{1D8BD707-D9CF-40AE-B4C6-C98DA3205C09}" type="datetimeFigureOut">
               <a:rPr lang="en-US" smtClean="0"/>
               <a:pPr/>
-              <a:t>1/23/2013</a:t>
+              <a:t>3/20/2013</a:t>
             </a:fld>
             <a:endParaRPr lang="en-US"/>
           </a:p>
@@ -5184,7 +5184,7 @@
             <a:fld id="{1D8BD707-D9CF-40AE-B4C6-C98DA3205C09}" type="datetimeFigureOut">
               <a:rPr lang="en-US" smtClean="0"/>
               <a:pPr/>
-              <a:t>1/23/2013</a:t>
+              <a:t>3/20/2013</a:t>
             </a:fld>
             <a:endParaRPr lang="en-US"/>
           </a:p>
@@ -5434,7 +5434,7 @@
             <a:fld id="{1D8BD707-D9CF-40AE-B4C6-C98DA3205C09}" type="datetimeFigureOut">
               <a:rPr lang="en-US" smtClean="0"/>
               <a:pPr/>
-              <a:t>1/23/2013</a:t>
+              <a:t>3/20/2013</a:t>
             </a:fld>
             <a:endParaRPr lang="en-US"/>
           </a:p>
@@ -5653,7 +5653,7 @@
             <a:fld id="{1D8BD707-D9CF-40AE-B4C6-C98DA3205C09}" type="datetimeFigureOut">
               <a:rPr lang="en-US" smtClean="0"/>
               <a:pPr/>
-              <a:t>1/23/2013</a:t>
+              <a:t>3/20/2013</a:t>
             </a:fld>
             <a:endParaRPr lang="en-US"/>
           </a:p>
@@ -6345,9 +6345,10 @@
           <a:lstStyle/>
           <a:p>
             <a:r>
-              <a:rPr lang="en-US" dirty="0"/>
+              <a:rPr lang="en-US" dirty="0" smtClean="0"/>
               <a:t>Testing Principles</a:t>
             </a:r>
+            <a:endParaRPr lang="en-US" dirty="0"/>
           </a:p>
         </p:txBody>
       </p:sp>
@@ -6918,7 +6919,19 @@
           <a:p>
             <a:r>
               <a:rPr lang="en-US" sz="2200" dirty="0"/>
-              <a:t>Which is the aim of Testing?</a:t>
+              <a:t>Which is the aim </a:t>
+            </a:r>
+            <a:r>
+              <a:rPr lang="ru-RU" sz="2200" dirty="0" smtClean="0"/>
+              <a:t>(цель) </a:t>
+            </a:r>
+            <a:r>
+              <a:rPr lang="en-US" sz="2200" dirty="0" smtClean="0"/>
+              <a:t>of </a:t>
+            </a:r>
+            <a:r>
+              <a:rPr lang="en-US" sz="2200" dirty="0"/>
+              <a:t>Testing?</a:t>
             </a:r>
           </a:p>
         </p:txBody>
@@ -10739,7 +10752,11 @@
             <a:pPr algn="ctr"/>
             <a:r>
               <a:rPr lang="en-US" sz="2000" i="1" dirty="0" smtClean="0"/>
-              <a:t>Education team</a:t>
+              <a:t>Education </a:t>
+            </a:r>
+            <a:r>
+              <a:rPr lang="en-US" sz="2000" i="1" dirty="0" smtClean="0"/>
+              <a:t>team manager</a:t>
             </a:r>
             <a:endParaRPr lang="en-US" sz="2000" i="1" dirty="0"/>
           </a:p>
@@ -11127,7 +11144,7 @@
         <p:spPr>
           <a:xfrm>
             <a:off x="899592" y="1425059"/>
-            <a:ext cx="4362518" cy="3901068"/>
+            <a:ext cx="6408712" cy="3970318"/>
           </a:xfrm>
           <a:prstGeom prst="rect">
             <a:avLst/>
@@ -11201,11 +11218,46 @@
               </a:lnSpc>
             </a:pPr>
             <a:r>
+              <a:rPr lang="en-US" dirty="0" smtClean="0">
+                <a:latin typeface="Aharoni" pitchFamily="2" charset="-79"/>
+                <a:cs typeface="Aharoni" pitchFamily="2" charset="-79"/>
+              </a:rPr>
+              <a:t>Posses</a:t>
+            </a:r>
+            <a:r>
               <a:rPr lang="en-US" dirty="0">
                 <a:latin typeface="Aharoni" pitchFamily="2" charset="-79"/>
                 <a:cs typeface="Aharoni" pitchFamily="2" charset="-79"/>
               </a:rPr>
-              <a:t>Posses people skills and </a:t>
+              <a:t>s</a:t>
+            </a:r>
+            <a:r>
+              <a:rPr lang="en-US" dirty="0" smtClean="0">
+                <a:latin typeface="Aharoni" pitchFamily="2" charset="-79"/>
+                <a:cs typeface="Aharoni" pitchFamily="2" charset="-79"/>
+              </a:rPr>
+              <a:t> (</a:t>
+            </a:r>
+            <a:r>
+              <a:rPr lang="ru-RU" dirty="0" smtClean="0">
+                <a:latin typeface="Aharoni" pitchFamily="2" charset="-79"/>
+                <a:cs typeface="Aharoni" pitchFamily="2" charset="-79"/>
+              </a:rPr>
+              <a:t>обладать</a:t>
+            </a:r>
+            <a:r>
+              <a:rPr lang="en-US" dirty="0" smtClean="0">
+                <a:latin typeface="Aharoni" pitchFamily="2" charset="-79"/>
+                <a:cs typeface="Aharoni" pitchFamily="2" charset="-79"/>
+              </a:rPr>
+              <a:t>) people </a:t>
+            </a:r>
+            <a:r>
+              <a:rPr lang="en-US" dirty="0">
+                <a:latin typeface="Aharoni" pitchFamily="2" charset="-79"/>
+                <a:cs typeface="Aharoni" pitchFamily="2" charset="-79"/>
+              </a:rPr>
+              <a:t>skills and </a:t>
             </a:r>
             <a:r>
               <a:rPr lang="en-US" dirty="0" smtClean="0">
@@ -11214,6 +11266,17 @@
               </a:rPr>
               <a:t>tenacity</a:t>
             </a:r>
+            <a:r>
+              <a:rPr lang="ru-RU" dirty="0" smtClean="0">
+                <a:latin typeface="Aharoni" pitchFamily="2" charset="-79"/>
+                <a:cs typeface="Aharoni" pitchFamily="2" charset="-79"/>
+              </a:rPr>
+              <a:t> (упорство)</a:t>
+            </a:r>
+            <a:endParaRPr lang="en-US" dirty="0" smtClean="0">
+              <a:latin typeface="Aharoni" pitchFamily="2" charset="-79"/>
+              <a:cs typeface="Aharoni" pitchFamily="2" charset="-79"/>
+            </a:endParaRPr>
           </a:p>
           <a:p>
             <a:pPr lvl="0">
@@ -11240,7 +11303,28 @@
                 <a:latin typeface="Aharoni" pitchFamily="2" charset="-79"/>
                 <a:cs typeface="Aharoni" pitchFamily="2" charset="-79"/>
               </a:rPr>
-              <a:t>Defect are valuable</a:t>
+              <a:t>Defect</a:t>
+            </a:r>
+            <a:r>
+              <a:rPr lang="en-US" dirty="0">
+                <a:latin typeface="Aharoni" pitchFamily="2" charset="-79"/>
+                <a:cs typeface="Aharoni" pitchFamily="2" charset="-79"/>
+              </a:rPr>
+              <a:t>s</a:t>
+            </a:r>
+            <a:r>
+              <a:rPr lang="en-US" dirty="0" smtClean="0">
+                <a:latin typeface="Aharoni" pitchFamily="2" charset="-79"/>
+                <a:cs typeface="Aharoni" pitchFamily="2" charset="-79"/>
+              </a:rPr>
+              <a:t> </a:t>
+            </a:r>
+            <a:r>
+              <a:rPr lang="en-US" dirty="0" smtClean="0">
+                <a:latin typeface="Aharoni" pitchFamily="2" charset="-79"/>
+                <a:cs typeface="Aharoni" pitchFamily="2" charset="-79"/>
+              </a:rPr>
+              <a:t>are valuable</a:t>
             </a:r>
             <a:endParaRPr lang="en-US" dirty="0">
               <a:latin typeface="Aharoni" pitchFamily="2" charset="-79"/>

--- a/0.Introduction_part1/Introduction.pptx
+++ b/0.Introduction_part1/Introduction.pptx
@@ -5,30 +5,28 @@
     <p:sldMasterId id="2147483648" r:id="rId1"/>
   </p:sldMasterIdLst>
   <p:notesMasterIdLst>
-    <p:notesMasterId r:id="rId23"/>
+    <p:notesMasterId r:id="rId21"/>
   </p:notesMasterIdLst>
   <p:sldIdLst>
     <p:sldId id="280" r:id="rId2"/>
-    <p:sldId id="300" r:id="rId3"/>
-    <p:sldId id="301" r:id="rId4"/>
-    <p:sldId id="302" r:id="rId5"/>
-    <p:sldId id="303" r:id="rId6"/>
-    <p:sldId id="304" r:id="rId7"/>
-    <p:sldId id="305" r:id="rId8"/>
-    <p:sldId id="306" r:id="rId9"/>
-    <p:sldId id="307" r:id="rId10"/>
-    <p:sldId id="281" r:id="rId11"/>
-    <p:sldId id="297" r:id="rId12"/>
-    <p:sldId id="265" r:id="rId13"/>
-    <p:sldId id="285" r:id="rId14"/>
-    <p:sldId id="274" r:id="rId15"/>
-    <p:sldId id="275" r:id="rId16"/>
-    <p:sldId id="276" r:id="rId17"/>
-    <p:sldId id="277" r:id="rId18"/>
-    <p:sldId id="299" r:id="rId19"/>
-    <p:sldId id="282" r:id="rId20"/>
-    <p:sldId id="298" r:id="rId21"/>
-    <p:sldId id="286" r:id="rId22"/>
+    <p:sldId id="301" r:id="rId3"/>
+    <p:sldId id="302" r:id="rId4"/>
+    <p:sldId id="303" r:id="rId5"/>
+    <p:sldId id="304" r:id="rId6"/>
+    <p:sldId id="305" r:id="rId7"/>
+    <p:sldId id="306" r:id="rId8"/>
+    <p:sldId id="307" r:id="rId9"/>
+    <p:sldId id="281" r:id="rId10"/>
+    <p:sldId id="265" r:id="rId11"/>
+    <p:sldId id="285" r:id="rId12"/>
+    <p:sldId id="274" r:id="rId13"/>
+    <p:sldId id="275" r:id="rId14"/>
+    <p:sldId id="276" r:id="rId15"/>
+    <p:sldId id="277" r:id="rId16"/>
+    <p:sldId id="299" r:id="rId17"/>
+    <p:sldId id="282" r:id="rId18"/>
+    <p:sldId id="298" r:id="rId19"/>
+    <p:sldId id="286" r:id="rId20"/>
   </p:sldIdLst>
   <p:sldSz cx="9144000" cy="6858000" type="screen4x3"/>
   <p:notesSz cx="6858000" cy="9144000"/>
@@ -129,7 +127,7 @@
   </p:defaultTextStyle>
   <p:extLst>
     <p:ext uri="{EFAFB233-063F-42B5-8137-9DF3F51BA10A}">
-      <p15:sldGuideLst xmlns:p15="http://schemas.microsoft.com/office/powerpoint/2012/main">
+      <p15:sldGuideLst xmlns:p15="http://schemas.microsoft.com/office/powerpoint/2012/main" xmlns="">
         <p15:guide id="1" orient="horz" pos="2160">
           <p15:clr>
             <a:srgbClr val="A4A3A4"/>
@@ -228,7 +226,7 @@
           <a:p>
             <a:fld id="{7FCDCAFE-ED6D-40DE-BB2A-6C2FAE0E1B23}" type="datetimeFigureOut">
               <a:rPr lang="en-US" smtClean="0"/>
-              <a:t>3/20/2013</a:t>
+              <a:t>8/30/2013</a:t>
             </a:fld>
             <a:endParaRPr lang="en-US"/>
           </a:p>
@@ -776,7 +774,7 @@
                 </a:spcAft>
                 <a:defRPr/>
               </a:pPr>
-              <a:t>4</a:t>
+              <a:t>3</a:t>
             </a:fld>
             <a:endParaRPr lang="en-US" smtClean="0">
               <a:latin typeface="Calibri" pitchFamily="34" charset="0"/>
@@ -1080,7 +1078,7 @@
                 </a:spcAft>
                 <a:defRPr/>
               </a:pPr>
-              <a:t>5</a:t>
+              <a:t>4</a:t>
             </a:fld>
             <a:endParaRPr lang="en-US" smtClean="0">
               <a:latin typeface="Calibri" pitchFamily="34" charset="0"/>
@@ -1370,7 +1368,7 @@
                 </a:spcAft>
                 <a:defRPr/>
               </a:pPr>
-              <a:t>6</a:t>
+              <a:t>5</a:t>
             </a:fld>
             <a:endParaRPr lang="en-US" smtClean="0">
               <a:latin typeface="Calibri" pitchFamily="34" charset="0"/>
@@ -1888,7 +1886,7 @@
                 </a:spcAft>
                 <a:defRPr/>
               </a:pPr>
-              <a:t>7</a:t>
+              <a:t>6</a:t>
             </a:fld>
             <a:endParaRPr lang="en-US" smtClean="0">
               <a:latin typeface="Calibri" pitchFamily="34" charset="0"/>
@@ -2608,7 +2606,7 @@
                 </a:spcAft>
                 <a:defRPr/>
               </a:pPr>
-              <a:t>8</a:t>
+              <a:t>7</a:t>
             </a:fld>
             <a:endParaRPr lang="en-US" smtClean="0">
               <a:latin typeface="Calibri" pitchFamily="34" charset="0"/>
@@ -2673,272 +2671,6 @@
           <a:bodyPr/>
           <a:lstStyle/>
           <a:p>
-            <a:pPr algn="l"/>
-            <a:r>
-              <a:rPr lang="en-US" dirty="0" smtClean="0">
-                <a:solidFill>
-                  <a:schemeClr val="tx1">
-                    <a:lumMod val="65000"/>
-                    <a:lumOff val="35000"/>
-                  </a:schemeClr>
-                </a:solidFill>
-                <a:latin typeface="Aharoni" pitchFamily="2" charset="-79"/>
-                <a:cs typeface="Aharoni" pitchFamily="2" charset="-79"/>
-              </a:rPr>
-              <a:t>Initiation. System concept development </a:t>
-            </a:r>
-          </a:p>
-          <a:p>
-            <a:pPr marL="0" marR="0" indent="0" algn="l" defTabSz="914400" rtl="0" eaLnBrk="1" fontAlgn="auto" latinLnBrk="0" hangingPunct="1">
-              <a:lnSpc>
-                <a:spcPct val="100000"/>
-              </a:lnSpc>
-              <a:spcBef>
-                <a:spcPts val="0"/>
-              </a:spcBef>
-              <a:spcAft>
-                <a:spcPts val="0"/>
-              </a:spcAft>
-              <a:buClrTx/>
-              <a:buSzTx/>
-              <a:buFontTx/>
-              <a:buNone/>
-              <a:tabLst/>
-              <a:defRPr/>
-            </a:pPr>
-            <a:r>
-              <a:rPr lang="en-US" dirty="0" smtClean="0">
-                <a:solidFill>
-                  <a:schemeClr val="tx1">
-                    <a:lumMod val="65000"/>
-                    <a:lumOff val="35000"/>
-                  </a:schemeClr>
-                </a:solidFill>
-                <a:latin typeface="Aharoni" pitchFamily="2" charset="-79"/>
-                <a:cs typeface="Aharoni" pitchFamily="2" charset="-79"/>
-              </a:rPr>
-              <a:t>Requirements analysis</a:t>
-            </a:r>
-            <a:endParaRPr lang="ru-RU" dirty="0" smtClean="0">
-              <a:solidFill>
-                <a:schemeClr val="tx1">
-                  <a:lumMod val="65000"/>
-                  <a:lumOff val="35000"/>
-                </a:schemeClr>
-              </a:solidFill>
-              <a:latin typeface="Aharoni" pitchFamily="2" charset="-79"/>
-              <a:cs typeface="Aharoni" pitchFamily="2" charset="-79"/>
-            </a:endParaRPr>
-          </a:p>
-          <a:p>
-            <a:pPr marL="0" marR="0" indent="0" algn="l" defTabSz="914400" rtl="0" eaLnBrk="1" fontAlgn="auto" latinLnBrk="0" hangingPunct="1">
-              <a:lnSpc>
-                <a:spcPct val="100000"/>
-              </a:lnSpc>
-              <a:spcBef>
-                <a:spcPts val="0"/>
-              </a:spcBef>
-              <a:spcAft>
-                <a:spcPts val="0"/>
-              </a:spcAft>
-              <a:buClrTx/>
-              <a:buSzTx/>
-              <a:buFontTx/>
-              <a:buNone/>
-              <a:tabLst/>
-              <a:defRPr/>
-            </a:pPr>
-            <a:r>
-              <a:rPr lang="en-US" dirty="0" smtClean="0">
-                <a:solidFill>
-                  <a:schemeClr val="tx1">
-                    <a:lumMod val="65000"/>
-                    <a:lumOff val="35000"/>
-                  </a:schemeClr>
-                </a:solidFill>
-                <a:latin typeface="Aharoni" pitchFamily="2" charset="-79"/>
-                <a:cs typeface="Aharoni" pitchFamily="2" charset="-79"/>
-              </a:rPr>
-              <a:t>Development</a:t>
-            </a:r>
-            <a:endParaRPr lang="ru-RU" dirty="0" smtClean="0">
-              <a:solidFill>
-                <a:schemeClr val="tx1">
-                  <a:lumMod val="65000"/>
-                  <a:lumOff val="35000"/>
-                </a:schemeClr>
-              </a:solidFill>
-              <a:latin typeface="Aharoni" pitchFamily="2" charset="-79"/>
-              <a:cs typeface="Aharoni" pitchFamily="2" charset="-79"/>
-            </a:endParaRPr>
-          </a:p>
-          <a:p>
-            <a:pPr marL="0" marR="0" indent="0" algn="l" defTabSz="914400" rtl="0" eaLnBrk="1" fontAlgn="auto" latinLnBrk="0" hangingPunct="1">
-              <a:lnSpc>
-                <a:spcPct val="100000"/>
-              </a:lnSpc>
-              <a:spcBef>
-                <a:spcPts val="0"/>
-              </a:spcBef>
-              <a:spcAft>
-                <a:spcPts val="0"/>
-              </a:spcAft>
-              <a:buClrTx/>
-              <a:buSzTx/>
-              <a:buFontTx/>
-              <a:buNone/>
-              <a:tabLst/>
-              <a:defRPr/>
-            </a:pPr>
-            <a:r>
-              <a:rPr lang="en-US" dirty="0" smtClean="0">
-                <a:solidFill>
-                  <a:schemeClr val="tx1">
-                    <a:lumMod val="65000"/>
-                    <a:lumOff val="35000"/>
-                  </a:schemeClr>
-                </a:solidFill>
-                <a:latin typeface="Aharoni" pitchFamily="2" charset="-79"/>
-                <a:cs typeface="Aharoni" pitchFamily="2" charset="-79"/>
-              </a:rPr>
-              <a:t>Implementation</a:t>
-            </a:r>
-            <a:endParaRPr lang="ru-RU" dirty="0" smtClean="0">
-              <a:solidFill>
-                <a:schemeClr val="tx1">
-                  <a:lumMod val="65000"/>
-                  <a:lumOff val="35000"/>
-                </a:schemeClr>
-              </a:solidFill>
-              <a:latin typeface="Aharoni" pitchFamily="2" charset="-79"/>
-              <a:cs typeface="Aharoni" pitchFamily="2" charset="-79"/>
-            </a:endParaRPr>
-          </a:p>
-          <a:p>
-            <a:pPr marL="0" marR="0" indent="0" algn="l" defTabSz="914400" rtl="0" eaLnBrk="1" fontAlgn="auto" latinLnBrk="0" hangingPunct="1">
-              <a:lnSpc>
-                <a:spcPct val="100000"/>
-              </a:lnSpc>
-              <a:spcBef>
-                <a:spcPts val="0"/>
-              </a:spcBef>
-              <a:spcAft>
-                <a:spcPts val="0"/>
-              </a:spcAft>
-              <a:buClrTx/>
-              <a:buSzTx/>
-              <a:buFontTx/>
-              <a:buNone/>
-              <a:tabLst/>
-              <a:defRPr/>
-            </a:pPr>
-            <a:r>
-              <a:rPr lang="en-US" dirty="0" smtClean="0">
-                <a:solidFill>
-                  <a:schemeClr val="tx1">
-                    <a:lumMod val="65000"/>
-                    <a:lumOff val="35000"/>
-                  </a:schemeClr>
-                </a:solidFill>
-                <a:latin typeface="Aharoni" pitchFamily="2" charset="-79"/>
-                <a:cs typeface="Aharoni" pitchFamily="2" charset="-79"/>
-              </a:rPr>
-              <a:t>Testing</a:t>
-            </a:r>
-            <a:endParaRPr lang="ru-RU" dirty="0" smtClean="0">
-              <a:solidFill>
-                <a:schemeClr val="tx1">
-                  <a:lumMod val="65000"/>
-                  <a:lumOff val="35000"/>
-                </a:schemeClr>
-              </a:solidFill>
-              <a:latin typeface="Aharoni" pitchFamily="2" charset="-79"/>
-              <a:cs typeface="Aharoni" pitchFamily="2" charset="-79"/>
-            </a:endParaRPr>
-          </a:p>
-          <a:p>
-            <a:pPr marL="0" marR="0" indent="0" algn="l" defTabSz="914400" rtl="0" eaLnBrk="1" fontAlgn="auto" latinLnBrk="0" hangingPunct="1">
-              <a:lnSpc>
-                <a:spcPct val="100000"/>
-              </a:lnSpc>
-              <a:spcBef>
-                <a:spcPts val="0"/>
-              </a:spcBef>
-              <a:spcAft>
-                <a:spcPts val="0"/>
-              </a:spcAft>
-              <a:buClrTx/>
-              <a:buSzTx/>
-              <a:buFontTx/>
-              <a:buNone/>
-              <a:tabLst/>
-              <a:defRPr/>
-            </a:pPr>
-            <a:r>
-              <a:rPr lang="en-US" dirty="0" smtClean="0">
-                <a:solidFill>
-                  <a:schemeClr val="tx1">
-                    <a:lumMod val="65000"/>
-                    <a:lumOff val="35000"/>
-                  </a:schemeClr>
-                </a:solidFill>
-                <a:latin typeface="Aharoni" pitchFamily="2" charset="-79"/>
-                <a:cs typeface="Aharoni" pitchFamily="2" charset="-79"/>
-              </a:rPr>
-              <a:t>Maintenance</a:t>
-            </a:r>
-            <a:endParaRPr lang="ru-RU" dirty="0" smtClean="0">
-              <a:solidFill>
-                <a:schemeClr val="tx1">
-                  <a:lumMod val="65000"/>
-                  <a:lumOff val="35000"/>
-                </a:schemeClr>
-              </a:solidFill>
-              <a:latin typeface="Aharoni" pitchFamily="2" charset="-79"/>
-              <a:cs typeface="Aharoni" pitchFamily="2" charset="-79"/>
-            </a:endParaRPr>
-          </a:p>
-          <a:p>
-            <a:pPr marL="0" marR="0" indent="0" algn="l" defTabSz="914400" rtl="0" eaLnBrk="1" fontAlgn="auto" latinLnBrk="0" hangingPunct="1">
-              <a:lnSpc>
-                <a:spcPct val="100000"/>
-              </a:lnSpc>
-              <a:spcBef>
-                <a:spcPts val="0"/>
-              </a:spcBef>
-              <a:spcAft>
-                <a:spcPts val="0"/>
-              </a:spcAft>
-              <a:buClrTx/>
-              <a:buSzTx/>
-              <a:buFontTx/>
-              <a:buNone/>
-              <a:tabLst/>
-              <a:defRPr/>
-            </a:pPr>
-            <a:r>
-              <a:rPr lang="en-US" dirty="0" smtClean="0">
-                <a:solidFill>
-                  <a:srgbClr val="FF0000"/>
-                </a:solidFill>
-                <a:latin typeface="Aharoni" pitchFamily="2" charset="-79"/>
-                <a:cs typeface="Aharoni" pitchFamily="2" charset="-79"/>
-              </a:rPr>
-              <a:t>Go Live</a:t>
-            </a:r>
-            <a:endParaRPr lang="ru-RU" dirty="0" smtClean="0">
-              <a:solidFill>
-                <a:schemeClr val="tx1">
-                  <a:lumMod val="65000"/>
-                  <a:lumOff val="35000"/>
-                </a:schemeClr>
-              </a:solidFill>
-              <a:latin typeface="Aharoni" pitchFamily="2" charset="-79"/>
-              <a:cs typeface="Aharoni" pitchFamily="2" charset="-79"/>
-            </a:endParaRPr>
-          </a:p>
-          <a:p>
-            <a:pPr algn="l"/>
             <a:endParaRPr lang="en-US" dirty="0"/>
           </a:p>
         </p:txBody>
@@ -2960,91 +2692,7 @@
           <a:p>
             <a:fld id="{D75B0C5A-EE92-4E92-8F5B-10699705BBE2}" type="slidenum">
               <a:rPr lang="en-US" smtClean="0"/>
-              <a:t>11</a:t>
-            </a:fld>
-            <a:endParaRPr lang="en-US"/>
-          </a:p>
-        </p:txBody>
-      </p:sp>
-    </p:spTree>
-    <p:extLst>
-      <p:ext uri="{BB962C8B-B14F-4D97-AF65-F5344CB8AC3E}">
-        <p14:creationId xmlns:p14="http://schemas.microsoft.com/office/powerpoint/2010/main" val="2291849343"/>
-      </p:ext>
-    </p:extLst>
-  </p:cSld>
-  <p:clrMapOvr>
-    <a:masterClrMapping/>
-  </p:clrMapOvr>
-</p:notes>
-</file>
-
-<file path=ppt/notesSlides/notesSlide7.xml><?xml version="1.0" encoding="utf-8"?>
-<p:notes xmlns:a="http://schemas.openxmlformats.org/drawingml/2006/main" xmlns:r="http://schemas.openxmlformats.org/officeDocument/2006/relationships" xmlns:p="http://schemas.openxmlformats.org/presentationml/2006/main">
-  <p:cSld>
-    <p:spTree>
-      <p:nvGrpSpPr>
-        <p:cNvPr id="1" name=""/>
-        <p:cNvGrpSpPr/>
-        <p:nvPr/>
-      </p:nvGrpSpPr>
-      <p:grpSpPr>
-        <a:xfrm>
-          <a:off x="0" y="0"/>
-          <a:ext cx="0" cy="0"/>
-          <a:chOff x="0" y="0"/>
-          <a:chExt cx="0" cy="0"/>
-        </a:xfrm>
-      </p:grpSpPr>
-      <p:sp>
-        <p:nvSpPr>
-          <p:cNvPr id="2" name="Slide Image Placeholder 1"/>
-          <p:cNvSpPr>
-            <a:spLocks noGrp="1" noRot="1" noChangeAspect="1"/>
-          </p:cNvSpPr>
-          <p:nvPr>
-            <p:ph type="sldImg"/>
-          </p:nvPr>
-        </p:nvSpPr>
-        <p:spPr/>
-      </p:sp>
-      <p:sp>
-        <p:nvSpPr>
-          <p:cNvPr id="3" name="Notes Placeholder 2"/>
-          <p:cNvSpPr>
-            <a:spLocks noGrp="1"/>
-          </p:cNvSpPr>
-          <p:nvPr>
-            <p:ph type="body" idx="1"/>
-          </p:nvPr>
-        </p:nvSpPr>
-        <p:spPr/>
-        <p:txBody>
-          <a:bodyPr/>
-          <a:lstStyle/>
-          <a:p>
-            <a:endParaRPr lang="en-US" dirty="0"/>
-          </a:p>
-        </p:txBody>
-      </p:sp>
-      <p:sp>
-        <p:nvSpPr>
-          <p:cNvPr id="4" name="Slide Number Placeholder 3"/>
-          <p:cNvSpPr>
-            <a:spLocks noGrp="1"/>
-          </p:cNvSpPr>
-          <p:nvPr>
-            <p:ph type="sldNum" sz="quarter" idx="10"/>
-          </p:nvPr>
-        </p:nvSpPr>
-        <p:spPr/>
-        <p:txBody>
-          <a:bodyPr/>
-          <a:lstStyle/>
-          <a:p>
-            <a:fld id="{D75B0C5A-EE92-4E92-8F5B-10699705BBE2}" type="slidenum">
-              <a:rPr lang="en-US" smtClean="0"/>
-              <a:t>18</a:t>
+              <a:t>16</a:t>
             </a:fld>
             <a:endParaRPr lang="en-US"/>
           </a:p>
@@ -3245,7 +2893,7 @@
             <a:fld id="{1D8BD707-D9CF-40AE-B4C6-C98DA3205C09}" type="datetimeFigureOut">
               <a:rPr lang="en-US" smtClean="0"/>
               <a:pPr/>
-              <a:t>3/20/2013</a:t>
+              <a:t>8/30/2013</a:t>
             </a:fld>
             <a:endParaRPr lang="en-US"/>
           </a:p>
@@ -3412,7 +3060,7 @@
             <a:fld id="{1D8BD707-D9CF-40AE-B4C6-C98DA3205C09}" type="datetimeFigureOut">
               <a:rPr lang="en-US" smtClean="0"/>
               <a:pPr/>
-              <a:t>3/20/2013</a:t>
+              <a:t>8/30/2013</a:t>
             </a:fld>
             <a:endParaRPr lang="en-US"/>
           </a:p>
@@ -3589,7 +3237,7 @@
             <a:fld id="{1D8BD707-D9CF-40AE-B4C6-C98DA3205C09}" type="datetimeFigureOut">
               <a:rPr lang="en-US" smtClean="0"/>
               <a:pPr/>
-              <a:t>3/20/2013</a:t>
+              <a:t>8/30/2013</a:t>
             </a:fld>
             <a:endParaRPr lang="en-US"/>
           </a:p>
@@ -3756,7 +3404,7 @@
             <a:fld id="{1D8BD707-D9CF-40AE-B4C6-C98DA3205C09}" type="datetimeFigureOut">
               <a:rPr lang="en-US" smtClean="0"/>
               <a:pPr/>
-              <a:t>3/20/2013</a:t>
+              <a:t>8/30/2013</a:t>
             </a:fld>
             <a:endParaRPr lang="en-US"/>
           </a:p>
@@ -3999,7 +3647,7 @@
             <a:fld id="{1D8BD707-D9CF-40AE-B4C6-C98DA3205C09}" type="datetimeFigureOut">
               <a:rPr lang="en-US" smtClean="0"/>
               <a:pPr/>
-              <a:t>3/20/2013</a:t>
+              <a:t>8/30/2013</a:t>
             </a:fld>
             <a:endParaRPr lang="en-US"/>
           </a:p>
@@ -4284,7 +3932,7 @@
             <a:fld id="{1D8BD707-D9CF-40AE-B4C6-C98DA3205C09}" type="datetimeFigureOut">
               <a:rPr lang="en-US" smtClean="0"/>
               <a:pPr/>
-              <a:t>3/20/2013</a:t>
+              <a:t>8/30/2013</a:t>
             </a:fld>
             <a:endParaRPr lang="en-US"/>
           </a:p>
@@ -4703,7 +4351,7 @@
             <a:fld id="{1D8BD707-D9CF-40AE-B4C6-C98DA3205C09}" type="datetimeFigureOut">
               <a:rPr lang="en-US" smtClean="0"/>
               <a:pPr/>
-              <a:t>3/20/2013</a:t>
+              <a:t>8/30/2013</a:t>
             </a:fld>
             <a:endParaRPr lang="en-US"/>
           </a:p>
@@ -4818,7 +4466,7 @@
             <a:fld id="{1D8BD707-D9CF-40AE-B4C6-C98DA3205C09}" type="datetimeFigureOut">
               <a:rPr lang="en-US" smtClean="0"/>
               <a:pPr/>
-              <a:t>3/20/2013</a:t>
+              <a:t>8/30/2013</a:t>
             </a:fld>
             <a:endParaRPr lang="en-US"/>
           </a:p>
@@ -4910,7 +4558,7 @@
             <a:fld id="{1D8BD707-D9CF-40AE-B4C6-C98DA3205C09}" type="datetimeFigureOut">
               <a:rPr lang="en-US" smtClean="0"/>
               <a:pPr/>
-              <a:t>3/20/2013</a:t>
+              <a:t>8/30/2013</a:t>
             </a:fld>
             <a:endParaRPr lang="en-US"/>
           </a:p>
@@ -5184,7 +4832,7 @@
             <a:fld id="{1D8BD707-D9CF-40AE-B4C6-C98DA3205C09}" type="datetimeFigureOut">
               <a:rPr lang="en-US" smtClean="0"/>
               <a:pPr/>
-              <a:t>3/20/2013</a:t>
+              <a:t>8/30/2013</a:t>
             </a:fld>
             <a:endParaRPr lang="en-US"/>
           </a:p>
@@ -5434,7 +5082,7 @@
             <a:fld id="{1D8BD707-D9CF-40AE-B4C6-C98DA3205C09}" type="datetimeFigureOut">
               <a:rPr lang="en-US" smtClean="0"/>
               <a:pPr/>
-              <a:t>3/20/2013</a:t>
+              <a:t>8/30/2013</a:t>
             </a:fld>
             <a:endParaRPr lang="en-US"/>
           </a:p>
@@ -5653,7 +5301,7 @@
             <a:fld id="{1D8BD707-D9CF-40AE-B4C6-C98DA3205C09}" type="datetimeFigureOut">
               <a:rPr lang="en-US" smtClean="0"/>
               <a:pPr/>
-              <a:t>3/20/2013</a:t>
+              <a:t>8/30/2013</a:t>
             </a:fld>
             <a:endParaRPr lang="en-US"/>
           </a:p>
@@ -6162,681 +5810,6 @@
 </file>
 
 <file path=ppt/slides/slide10.xml><?xml version="1.0" encoding="utf-8"?>
-<p:sld xmlns:a="http://schemas.openxmlformats.org/drawingml/2006/main" xmlns:r="http://schemas.openxmlformats.org/officeDocument/2006/relationships" xmlns:p="http://schemas.openxmlformats.org/presentationml/2006/main">
-  <p:cSld>
-    <p:spTree>
-      <p:nvGrpSpPr>
-        <p:cNvPr id="1" name=""/>
-        <p:cNvGrpSpPr/>
-        <p:nvPr/>
-      </p:nvGrpSpPr>
-      <p:grpSpPr>
-        <a:xfrm>
-          <a:off x="0" y="0"/>
-          <a:ext cx="0" cy="0"/>
-          <a:chOff x="0" y="0"/>
-          <a:chExt cx="0" cy="0"/>
-        </a:xfrm>
-      </p:grpSpPr>
-      <p:sp>
-        <p:nvSpPr>
-          <p:cNvPr id="3" name="TextBox 2"/>
-          <p:cNvSpPr txBox="1"/>
-          <p:nvPr/>
-        </p:nvSpPr>
-        <p:spPr>
-          <a:xfrm>
-            <a:off x="457200" y="533400"/>
-            <a:ext cx="1561133" cy="630942"/>
-          </a:xfrm>
-          <a:prstGeom prst="rect">
-            <a:avLst/>
-          </a:prstGeom>
-          <a:noFill/>
-        </p:spPr>
-        <p:txBody>
-          <a:bodyPr wrap="none" rtlCol="0">
-            <a:spAutoFit/>
-          </a:bodyPr>
-          <a:lstStyle/>
-          <a:p>
-            <a:r>
-              <a:rPr lang="en-US" sz="3500" dirty="0" smtClean="0">
-                <a:solidFill>
-                  <a:schemeClr val="tx1">
-                    <a:lumMod val="65000"/>
-                    <a:lumOff val="35000"/>
-                  </a:schemeClr>
-                </a:solidFill>
-                <a:effectLst>
-                  <a:outerShdw blurRad="38100" dist="38100" dir="2700000" algn="tl">
-                    <a:srgbClr val="000000">
-                      <a:alpha val="43137"/>
-                    </a:srgbClr>
-                  </a:outerShdw>
-                </a:effectLst>
-              </a:rPr>
-              <a:t>Agenda</a:t>
-            </a:r>
-            <a:endParaRPr lang="en-US" sz="3500" dirty="0">
-              <a:solidFill>
-                <a:schemeClr val="tx1">
-                  <a:lumMod val="65000"/>
-                  <a:lumOff val="35000"/>
-                </a:schemeClr>
-              </a:solidFill>
-              <a:effectLst>
-                <a:outerShdw blurRad="38100" dist="38100" dir="2700000" algn="tl">
-                  <a:srgbClr val="000000">
-                    <a:alpha val="43137"/>
-                  </a:srgbClr>
-                </a:outerShdw>
-              </a:effectLst>
-            </a:endParaRPr>
-          </a:p>
-        </p:txBody>
-      </p:sp>
-      <p:sp>
-        <p:nvSpPr>
-          <p:cNvPr id="4" name="Rectangle 3"/>
-          <p:cNvSpPr/>
-          <p:nvPr/>
-        </p:nvSpPr>
-        <p:spPr>
-          <a:xfrm>
-            <a:off x="1249680" y="1362670"/>
-            <a:ext cx="4572000" cy="369332"/>
-          </a:xfrm>
-          <a:prstGeom prst="rect">
-            <a:avLst/>
-          </a:prstGeom>
-        </p:spPr>
-        <p:txBody>
-          <a:bodyPr>
-            <a:spAutoFit/>
-          </a:bodyPr>
-          <a:lstStyle/>
-          <a:p>
-            <a:r>
-              <a:rPr lang="en-US" dirty="0" smtClean="0"/>
-              <a:t>What is Testing?</a:t>
-            </a:r>
-            <a:endParaRPr lang="en-US" dirty="0"/>
-          </a:p>
-        </p:txBody>
-      </p:sp>
-      <p:sp>
-        <p:nvSpPr>
-          <p:cNvPr id="5" name="Rectangle 4"/>
-          <p:cNvSpPr/>
-          <p:nvPr/>
-        </p:nvSpPr>
-        <p:spPr>
-          <a:xfrm>
-            <a:off x="1295400" y="3048000"/>
-            <a:ext cx="6477000" cy="369332"/>
-          </a:xfrm>
-          <a:prstGeom prst="rect">
-            <a:avLst/>
-          </a:prstGeom>
-        </p:spPr>
-        <p:txBody>
-          <a:bodyPr wrap="square">
-            <a:spAutoFit/>
-          </a:bodyPr>
-          <a:lstStyle/>
-          <a:p>
-            <a:r>
-              <a:rPr lang="en-US" dirty="0" smtClean="0"/>
-              <a:t>Quality Assurance, Quality Control and Software Testing</a:t>
-            </a:r>
-            <a:endParaRPr lang="en-US" dirty="0"/>
-          </a:p>
-        </p:txBody>
-      </p:sp>
-      <p:sp>
-        <p:nvSpPr>
-          <p:cNvPr id="6" name="Rectangle 5"/>
-          <p:cNvSpPr/>
-          <p:nvPr/>
-        </p:nvSpPr>
-        <p:spPr>
-          <a:xfrm>
-            <a:off x="1295400" y="2450068"/>
-            <a:ext cx="4572000" cy="369332"/>
-          </a:xfrm>
-          <a:prstGeom prst="rect">
-            <a:avLst/>
-          </a:prstGeom>
-        </p:spPr>
-        <p:txBody>
-          <a:bodyPr>
-            <a:spAutoFit/>
-          </a:bodyPr>
-          <a:lstStyle/>
-          <a:p>
-            <a:r>
-              <a:rPr lang="en-US" dirty="0" smtClean="0"/>
-              <a:t>Role of Testing in Software Development</a:t>
-            </a:r>
-            <a:endParaRPr lang="en-US" dirty="0"/>
-          </a:p>
-        </p:txBody>
-      </p:sp>
-      <p:sp>
-        <p:nvSpPr>
-          <p:cNvPr id="7" name="Rectangle 6"/>
-          <p:cNvSpPr/>
-          <p:nvPr/>
-        </p:nvSpPr>
-        <p:spPr>
-          <a:xfrm>
-            <a:off x="1249680" y="1916668"/>
-            <a:ext cx="1796646" cy="369332"/>
-          </a:xfrm>
-          <a:prstGeom prst="rect">
-            <a:avLst/>
-          </a:prstGeom>
-        </p:spPr>
-        <p:txBody>
-          <a:bodyPr wrap="none">
-            <a:spAutoFit/>
-          </a:bodyPr>
-          <a:lstStyle/>
-          <a:p>
-            <a:r>
-              <a:rPr lang="en-US" dirty="0" smtClean="0"/>
-              <a:t>Testing Principles</a:t>
-            </a:r>
-            <a:endParaRPr lang="en-US" dirty="0"/>
-          </a:p>
-        </p:txBody>
-      </p:sp>
-      <p:sp>
-        <p:nvSpPr>
-          <p:cNvPr id="13" name="Flowchart: Connector 12"/>
-          <p:cNvSpPr/>
-          <p:nvPr/>
-        </p:nvSpPr>
-        <p:spPr>
-          <a:xfrm>
-            <a:off x="944741" y="1488043"/>
-            <a:ext cx="84841" cy="99536"/>
-          </a:xfrm>
-          <a:prstGeom prst="flowChartConnector">
-            <a:avLst/>
-          </a:prstGeom>
-        </p:spPr>
-        <p:style>
-          <a:lnRef idx="1">
-            <a:schemeClr val="accent6"/>
-          </a:lnRef>
-          <a:fillRef idx="3">
-            <a:schemeClr val="accent6"/>
-          </a:fillRef>
-          <a:effectRef idx="2">
-            <a:schemeClr val="accent6"/>
-          </a:effectRef>
-          <a:fontRef idx="minor">
-            <a:schemeClr val="lt1"/>
-          </a:fontRef>
-        </p:style>
-        <p:txBody>
-          <a:bodyPr rtlCol="0" anchor="ctr"/>
-          <a:lstStyle/>
-          <a:p>
-            <a:pPr algn="ctr"/>
-            <a:endParaRPr lang="en-US">
-              <a:solidFill>
-                <a:schemeClr val="tx1"/>
-              </a:solidFill>
-            </a:endParaRPr>
-          </a:p>
-        </p:txBody>
-      </p:sp>
-      <p:sp>
-        <p:nvSpPr>
-          <p:cNvPr id="14" name="Flowchart: Connector 13"/>
-          <p:cNvSpPr/>
-          <p:nvPr/>
-        </p:nvSpPr>
-        <p:spPr>
-          <a:xfrm>
-            <a:off x="931779" y="2051566"/>
-            <a:ext cx="84841" cy="99536"/>
-          </a:xfrm>
-          <a:prstGeom prst="flowChartConnector">
-            <a:avLst/>
-          </a:prstGeom>
-        </p:spPr>
-        <p:style>
-          <a:lnRef idx="1">
-            <a:schemeClr val="accent6"/>
-          </a:lnRef>
-          <a:fillRef idx="3">
-            <a:schemeClr val="accent6"/>
-          </a:fillRef>
-          <a:effectRef idx="2">
-            <a:schemeClr val="accent6"/>
-          </a:effectRef>
-          <a:fontRef idx="minor">
-            <a:schemeClr val="lt1"/>
-          </a:fontRef>
-        </p:style>
-        <p:txBody>
-          <a:bodyPr rtlCol="0" anchor="ctr"/>
-          <a:lstStyle/>
-          <a:p>
-            <a:pPr algn="ctr"/>
-            <a:endParaRPr lang="en-US">
-              <a:solidFill>
-                <a:schemeClr val="tx1"/>
-              </a:solidFill>
-            </a:endParaRPr>
-          </a:p>
-        </p:txBody>
-      </p:sp>
-      <p:sp>
-        <p:nvSpPr>
-          <p:cNvPr id="15" name="Flowchart: Connector 14"/>
-          <p:cNvSpPr/>
-          <p:nvPr/>
-        </p:nvSpPr>
-        <p:spPr>
-          <a:xfrm>
-            <a:off x="945626" y="2584966"/>
-            <a:ext cx="84841" cy="99536"/>
-          </a:xfrm>
-          <a:prstGeom prst="flowChartConnector">
-            <a:avLst/>
-          </a:prstGeom>
-        </p:spPr>
-        <p:style>
-          <a:lnRef idx="1">
-            <a:schemeClr val="accent6"/>
-          </a:lnRef>
-          <a:fillRef idx="3">
-            <a:schemeClr val="accent6"/>
-          </a:fillRef>
-          <a:effectRef idx="2">
-            <a:schemeClr val="accent6"/>
-          </a:effectRef>
-          <a:fontRef idx="minor">
-            <a:schemeClr val="lt1"/>
-          </a:fontRef>
-        </p:style>
-        <p:txBody>
-          <a:bodyPr rtlCol="0" anchor="ctr"/>
-          <a:lstStyle/>
-          <a:p>
-            <a:pPr algn="ctr"/>
-            <a:endParaRPr lang="en-US">
-              <a:solidFill>
-                <a:schemeClr val="tx1"/>
-              </a:solidFill>
-            </a:endParaRPr>
-          </a:p>
-        </p:txBody>
-      </p:sp>
-      <p:sp>
-        <p:nvSpPr>
-          <p:cNvPr id="16" name="Flowchart: Connector 15"/>
-          <p:cNvSpPr/>
-          <p:nvPr/>
-        </p:nvSpPr>
-        <p:spPr>
-          <a:xfrm>
-            <a:off x="944742" y="3182898"/>
-            <a:ext cx="84841" cy="99536"/>
-          </a:xfrm>
-          <a:prstGeom prst="flowChartConnector">
-            <a:avLst/>
-          </a:prstGeom>
-        </p:spPr>
-        <p:style>
-          <a:lnRef idx="1">
-            <a:schemeClr val="accent6"/>
-          </a:lnRef>
-          <a:fillRef idx="3">
-            <a:schemeClr val="accent6"/>
-          </a:fillRef>
-          <a:effectRef idx="2">
-            <a:schemeClr val="accent6"/>
-          </a:effectRef>
-          <a:fontRef idx="minor">
-            <a:schemeClr val="lt1"/>
-          </a:fontRef>
-        </p:style>
-        <p:txBody>
-          <a:bodyPr rtlCol="0" anchor="ctr"/>
-          <a:lstStyle/>
-          <a:p>
-            <a:pPr algn="ctr"/>
-            <a:endParaRPr lang="en-US">
-              <a:solidFill>
-                <a:schemeClr val="tx1"/>
-              </a:solidFill>
-            </a:endParaRPr>
-          </a:p>
-        </p:txBody>
-      </p:sp>
-      <p:sp>
-        <p:nvSpPr>
-          <p:cNvPr id="17" name="Rectangle 16"/>
-          <p:cNvSpPr/>
-          <p:nvPr/>
-        </p:nvSpPr>
-        <p:spPr>
-          <a:xfrm>
-            <a:off x="1295400" y="4211796"/>
-            <a:ext cx="6477000" cy="369332"/>
-          </a:xfrm>
-          <a:prstGeom prst="rect">
-            <a:avLst/>
-          </a:prstGeom>
-        </p:spPr>
-        <p:txBody>
-          <a:bodyPr wrap="square">
-            <a:spAutoFit/>
-          </a:bodyPr>
-          <a:lstStyle/>
-          <a:p>
-            <a:r>
-              <a:rPr lang="en-US" dirty="0" smtClean="0"/>
-              <a:t>Testing process</a:t>
-            </a:r>
-            <a:endParaRPr lang="en-US" dirty="0"/>
-          </a:p>
-        </p:txBody>
-      </p:sp>
-      <p:sp>
-        <p:nvSpPr>
-          <p:cNvPr id="18" name="Flowchart: Connector 17"/>
-          <p:cNvSpPr/>
-          <p:nvPr/>
-        </p:nvSpPr>
-        <p:spPr>
-          <a:xfrm>
-            <a:off x="944742" y="4365744"/>
-            <a:ext cx="84841" cy="99536"/>
-          </a:xfrm>
-          <a:prstGeom prst="flowChartConnector">
-            <a:avLst/>
-          </a:prstGeom>
-        </p:spPr>
-        <p:style>
-          <a:lnRef idx="1">
-            <a:schemeClr val="accent6"/>
-          </a:lnRef>
-          <a:fillRef idx="3">
-            <a:schemeClr val="accent6"/>
-          </a:fillRef>
-          <a:effectRef idx="2">
-            <a:schemeClr val="accent6"/>
-          </a:effectRef>
-          <a:fontRef idx="minor">
-            <a:schemeClr val="lt1"/>
-          </a:fontRef>
-        </p:style>
-        <p:txBody>
-          <a:bodyPr rtlCol="0" anchor="ctr"/>
-          <a:lstStyle/>
-          <a:p>
-            <a:pPr algn="ctr"/>
-            <a:endParaRPr lang="en-US">
-              <a:solidFill>
-                <a:schemeClr val="tx1"/>
-              </a:solidFill>
-            </a:endParaRPr>
-          </a:p>
-        </p:txBody>
-      </p:sp>
-      <p:sp>
-        <p:nvSpPr>
-          <p:cNvPr id="19" name="Rectangle 18"/>
-          <p:cNvSpPr/>
-          <p:nvPr/>
-        </p:nvSpPr>
-        <p:spPr>
-          <a:xfrm>
-            <a:off x="1295400" y="3646666"/>
-            <a:ext cx="6444952" cy="369332"/>
-          </a:xfrm>
-          <a:prstGeom prst="rect">
-            <a:avLst/>
-          </a:prstGeom>
-        </p:spPr>
-        <p:txBody>
-          <a:bodyPr wrap="square">
-            <a:spAutoFit/>
-          </a:bodyPr>
-          <a:lstStyle/>
-          <a:p>
-            <a:r>
-              <a:rPr lang="en-US" dirty="0" smtClean="0"/>
-              <a:t>Team roles</a:t>
-            </a:r>
-            <a:endParaRPr lang="en-US" dirty="0"/>
-          </a:p>
-        </p:txBody>
-      </p:sp>
-      <p:sp>
-        <p:nvSpPr>
-          <p:cNvPr id="20" name="Flowchart: Connector 19"/>
-          <p:cNvSpPr/>
-          <p:nvPr/>
-        </p:nvSpPr>
-        <p:spPr>
-          <a:xfrm>
-            <a:off x="944740" y="3781564"/>
-            <a:ext cx="84841" cy="99536"/>
-          </a:xfrm>
-          <a:prstGeom prst="flowChartConnector">
-            <a:avLst/>
-          </a:prstGeom>
-        </p:spPr>
-        <p:style>
-          <a:lnRef idx="1">
-            <a:schemeClr val="accent6"/>
-          </a:lnRef>
-          <a:fillRef idx="3">
-            <a:schemeClr val="accent6"/>
-          </a:fillRef>
-          <a:effectRef idx="2">
-            <a:schemeClr val="accent6"/>
-          </a:effectRef>
-          <a:fontRef idx="minor">
-            <a:schemeClr val="lt1"/>
-          </a:fontRef>
-        </p:style>
-        <p:txBody>
-          <a:bodyPr rtlCol="0" anchor="ctr"/>
-          <a:lstStyle/>
-          <a:p>
-            <a:pPr algn="ctr"/>
-            <a:endParaRPr lang="en-US">
-              <a:solidFill>
-                <a:schemeClr val="tx1"/>
-              </a:solidFill>
-            </a:endParaRPr>
-          </a:p>
-        </p:txBody>
-      </p:sp>
-    </p:spTree>
-    <p:extLst>
-      <p:ext uri="{BB962C8B-B14F-4D97-AF65-F5344CB8AC3E}">
-        <p14:creationId xmlns:p14="http://schemas.microsoft.com/office/powerpoint/2010/main" val="4060775951"/>
-      </p:ext>
-    </p:extLst>
-  </p:cSld>
-  <p:clrMapOvr>
-    <a:masterClrMapping/>
-  </p:clrMapOvr>
-  <p:timing>
-    <p:tnLst>
-      <p:par>
-        <p:cTn id="1" dur="indefinite" restart="never" nodeType="tmRoot"/>
-      </p:par>
-    </p:tnLst>
-  </p:timing>
-</p:sld>
-</file>
-
-<file path=ppt/slides/slide11.xml><?xml version="1.0" encoding="utf-8"?>
-<p:sld xmlns:a="http://schemas.openxmlformats.org/drawingml/2006/main" xmlns:r="http://schemas.openxmlformats.org/officeDocument/2006/relationships" xmlns:p="http://schemas.openxmlformats.org/presentationml/2006/main">
-  <p:cSld>
-    <p:spTree>
-      <p:nvGrpSpPr>
-        <p:cNvPr id="1" name=""/>
-        <p:cNvGrpSpPr/>
-        <p:nvPr/>
-      </p:nvGrpSpPr>
-      <p:grpSpPr>
-        <a:xfrm>
-          <a:off x="0" y="0"/>
-          <a:ext cx="0" cy="0"/>
-          <a:chOff x="0" y="0"/>
-          <a:chExt cx="0" cy="0"/>
-        </a:xfrm>
-      </p:grpSpPr>
-      <p:sp>
-        <p:nvSpPr>
-          <p:cNvPr id="3" name="TextBox 2"/>
-          <p:cNvSpPr txBox="1"/>
-          <p:nvPr/>
-        </p:nvSpPr>
-        <p:spPr>
-          <a:xfrm>
-            <a:off x="462533" y="332656"/>
-            <a:ext cx="5049011" cy="553998"/>
-          </a:xfrm>
-          <a:prstGeom prst="rect">
-            <a:avLst/>
-          </a:prstGeom>
-          <a:noFill/>
-        </p:spPr>
-        <p:txBody>
-          <a:bodyPr wrap="none" rtlCol="0">
-            <a:spAutoFit/>
-          </a:bodyPr>
-          <a:lstStyle/>
-          <a:p>
-            <a:r>
-              <a:rPr lang="en-US" sz="3000" dirty="0">
-                <a:solidFill>
-                  <a:schemeClr val="tx1">
-                    <a:lumMod val="65000"/>
-                    <a:lumOff val="35000"/>
-                  </a:schemeClr>
-                </a:solidFill>
-                <a:effectLst>
-                  <a:outerShdw blurRad="38100" dist="38100" dir="2700000" algn="tl">
-                    <a:srgbClr val="000000">
-                      <a:alpha val="43137"/>
-                    </a:srgbClr>
-                  </a:outerShdw>
-                </a:effectLst>
-              </a:rPr>
-              <a:t>Software Development </a:t>
-            </a:r>
-            <a:r>
-              <a:rPr lang="en-US" sz="3000" dirty="0" smtClean="0">
-                <a:solidFill>
-                  <a:schemeClr val="tx1">
-                    <a:lumMod val="65000"/>
-                    <a:lumOff val="35000"/>
-                  </a:schemeClr>
-                </a:solidFill>
-                <a:effectLst>
-                  <a:outerShdw blurRad="38100" dist="38100" dir="2700000" algn="tl">
-                    <a:srgbClr val="000000">
-                      <a:alpha val="43137"/>
-                    </a:srgbClr>
-                  </a:outerShdw>
-                </a:effectLst>
-              </a:rPr>
-              <a:t>Process</a:t>
-            </a:r>
-            <a:endParaRPr lang="en-US" sz="3000" dirty="0">
-              <a:solidFill>
-                <a:schemeClr val="tx1">
-                  <a:lumMod val="65000"/>
-                  <a:lumOff val="35000"/>
-                </a:schemeClr>
-              </a:solidFill>
-              <a:effectLst>
-                <a:outerShdw blurRad="38100" dist="38100" dir="2700000" algn="tl">
-                  <a:srgbClr val="000000">
-                    <a:alpha val="43137"/>
-                  </a:srgbClr>
-                </a:outerShdw>
-              </a:effectLst>
-            </a:endParaRPr>
-          </a:p>
-        </p:txBody>
-      </p:sp>
-      <p:pic>
-        <p:nvPicPr>
-          <p:cNvPr id="1026" name="Picture 2" descr="C:\Users\jkad\Desktop\Trainings\Testing\pics\Testing.jpg"/>
-          <p:cNvPicPr>
-            <a:picLocks noChangeAspect="1" noChangeArrowheads="1"/>
-          </p:cNvPicPr>
-          <p:nvPr/>
-        </p:nvPicPr>
-        <p:blipFill>
-          <a:blip r:embed="rId3">
-            <a:extLst>
-              <a:ext uri="{28A0092B-C50C-407E-A947-70E740481C1C}">
-                <a14:useLocalDpi xmlns:a14="http://schemas.microsoft.com/office/drawing/2010/main" val="0"/>
-              </a:ext>
-            </a:extLst>
-          </a:blip>
-          <a:srcRect/>
-          <a:stretch>
-            <a:fillRect/>
-          </a:stretch>
-        </p:blipFill>
-        <p:spPr bwMode="auto">
-          <a:xfrm>
-            <a:off x="1547664" y="1325513"/>
-            <a:ext cx="5337168" cy="4176464"/>
-          </a:xfrm>
-          <a:prstGeom prst="rect">
-            <a:avLst/>
-          </a:prstGeom>
-          <a:noFill/>
-          <a:extLst>
-            <a:ext uri="{909E8E84-426E-40DD-AFC4-6F175D3DCCD1}">
-              <a14:hiddenFill xmlns:a14="http://schemas.microsoft.com/office/drawing/2010/main">
-                <a:solidFill>
-                  <a:srgbClr val="FFFFFF"/>
-                </a:solidFill>
-              </a14:hiddenFill>
-            </a:ext>
-          </a:extLst>
-        </p:spPr>
-      </p:pic>
-    </p:spTree>
-    <p:extLst>
-      <p:ext uri="{BB962C8B-B14F-4D97-AF65-F5344CB8AC3E}">
-        <p14:creationId xmlns:p14="http://schemas.microsoft.com/office/powerpoint/2010/main" val="1783086526"/>
-      </p:ext>
-    </p:extLst>
-  </p:cSld>
-  <p:clrMapOvr>
-    <a:masterClrMapping/>
-  </p:clrMapOvr>
-  <p:timing>
-    <p:tnLst>
-      <p:par>
-        <p:cTn id="1" dur="indefinite" restart="never" nodeType="tmRoot"/>
-      </p:par>
-    </p:tnLst>
-  </p:timing>
-</p:sld>
-</file>
-
-<file path=ppt/slides/slide12.xml><?xml version="1.0" encoding="utf-8"?>
 <p:sld xmlns:a="http://schemas.openxmlformats.org/drawingml/2006/main" xmlns:r="http://schemas.openxmlformats.org/officeDocument/2006/relationships" xmlns:p="http://schemas.openxmlformats.org/presentationml/2006/main">
   <p:cSld>
     <p:spTree>
@@ -7538,7 +6511,7 @@
 </p:sld>
 </file>
 
-<file path=ppt/slides/slide13.xml><?xml version="1.0" encoding="utf-8"?>
+<file path=ppt/slides/slide11.xml><?xml version="1.0" encoding="utf-8"?>
 <p:sld xmlns:a="http://schemas.openxmlformats.org/drawingml/2006/main" xmlns:r="http://schemas.openxmlformats.org/officeDocument/2006/relationships" xmlns:p="http://schemas.openxmlformats.org/presentationml/2006/main">
   <p:cSld>
     <p:spTree>
@@ -7886,7 +6859,7 @@
 </p:sld>
 </file>
 
-<file path=ppt/slides/slide14.xml><?xml version="1.0" encoding="utf-8"?>
+<file path=ppt/slides/slide12.xml><?xml version="1.0" encoding="utf-8"?>
 <p:sld xmlns:a="http://schemas.openxmlformats.org/drawingml/2006/main" xmlns:r="http://schemas.openxmlformats.org/officeDocument/2006/relationships" xmlns:p="http://schemas.openxmlformats.org/presentationml/2006/main">
   <p:cSld>
     <p:spTree>
@@ -9033,7 +8006,7 @@
 </p:sld>
 </file>
 
-<file path=ppt/slides/slide15.xml><?xml version="1.0" encoding="utf-8"?>
+<file path=ppt/slides/slide13.xml><?xml version="1.0" encoding="utf-8"?>
 <p:sld xmlns:a="http://schemas.openxmlformats.org/drawingml/2006/main" xmlns:r="http://schemas.openxmlformats.org/officeDocument/2006/relationships" xmlns:p="http://schemas.openxmlformats.org/presentationml/2006/main">
   <p:cSld>
     <p:spTree>
@@ -9238,7 +8211,7 @@
 </p:sld>
 </file>
 
-<file path=ppt/slides/slide16.xml><?xml version="1.0" encoding="utf-8"?>
+<file path=ppt/slides/slide14.xml><?xml version="1.0" encoding="utf-8"?>
 <p:sld xmlns:a="http://schemas.openxmlformats.org/drawingml/2006/main" xmlns:r="http://schemas.openxmlformats.org/officeDocument/2006/relationships" xmlns:p="http://schemas.openxmlformats.org/presentationml/2006/main">
   <p:cSld>
     <p:spTree>
@@ -9410,7 +8383,7 @@
 </p:sld>
 </file>
 
-<file path=ppt/slides/slide17.xml><?xml version="1.0" encoding="utf-8"?>
+<file path=ppt/slides/slide15.xml><?xml version="1.0" encoding="utf-8"?>
 <p:sld xmlns:a="http://schemas.openxmlformats.org/drawingml/2006/main" xmlns:r="http://schemas.openxmlformats.org/officeDocument/2006/relationships" xmlns:p="http://schemas.openxmlformats.org/presentationml/2006/main">
   <p:cSld>
     <p:spTree>
@@ -9518,7 +8491,7 @@
 </p:sld>
 </file>
 
-<file path=ppt/slides/slide18.xml><?xml version="1.0" encoding="utf-8"?>
+<file path=ppt/slides/slide16.xml><?xml version="1.0" encoding="utf-8"?>
 <p:sld xmlns:a="http://schemas.openxmlformats.org/drawingml/2006/main" xmlns:r="http://schemas.openxmlformats.org/officeDocument/2006/relationships" xmlns:p="http://schemas.openxmlformats.org/presentationml/2006/main">
   <p:cSld>
     <p:spTree>
@@ -9587,7 +8560,7 @@
         <p:spPr>
           <a:xfrm>
             <a:off x="609600" y="1628800"/>
-            <a:ext cx="7772400" cy="3108543"/>
+            <a:ext cx="7772400" cy="2677656"/>
           </a:xfrm>
           <a:prstGeom prst="rect">
             <a:avLst/>
@@ -9643,21 +8616,16 @@
               <a:rPr lang="en-US" sz="2800" b="1" dirty="0" smtClean="0"/>
               <a:t>fixed</a:t>
             </a:r>
-          </a:p>
-          <a:p>
+            <a:endParaRPr lang="ru-RU" sz="2800" b="1" smtClean="0"/>
+          </a:p>
+          <a:p>
+            <a:r>
+              <a:rPr lang="en-US" sz="2800" b="1" smtClean="0"/>
+              <a:t>Follow </a:t>
+            </a:r>
             <a:r>
               <a:rPr lang="en-US" sz="2800" b="1" dirty="0"/>
-              <a:t>Review competitive </a:t>
-            </a:r>
-            <a:r>
-              <a:rPr lang="en-US" sz="2800" b="1" dirty="0" smtClean="0"/>
-              <a:t>products</a:t>
-            </a:r>
-          </a:p>
-          <a:p>
-            <a:r>
-              <a:rPr lang="en-US" sz="2800" b="1" dirty="0"/>
-              <a:t>Follow standards and processes</a:t>
+              <a:t>standards and processes</a:t>
             </a:r>
           </a:p>
         </p:txBody>
@@ -9682,7 +8650,7 @@
 </p:sld>
 </file>
 
-<file path=ppt/slides/slide19.xml><?xml version="1.0" encoding="utf-8"?>
+<file path=ppt/slides/slide17.xml><?xml version="1.0" encoding="utf-8"?>
 <p:sld xmlns:a="http://schemas.openxmlformats.org/drawingml/2006/main" xmlns:r="http://schemas.openxmlformats.org/officeDocument/2006/relationships" xmlns:p="http://schemas.openxmlformats.org/presentationml/2006/main">
   <p:cSld>
     <p:spTree>
@@ -10569,7 +9537,7 @@
 </p:sld>
 </file>
 
-<file path=ppt/slides/slide2.xml><?xml version="1.0" encoding="utf-8"?>
+<file path=ppt/slides/slide18.xml><?xml version="1.0" encoding="utf-8"?>
 <p:sld xmlns:a="http://schemas.openxmlformats.org/drawingml/2006/main" xmlns:r="http://schemas.openxmlformats.org/officeDocument/2006/relationships" xmlns:p="http://schemas.openxmlformats.org/presentationml/2006/main">
   <p:cSld>
     <p:spTree>
@@ -10588,497 +9556,6 @@
       </p:grpSpPr>
       <p:sp>
         <p:nvSpPr>
-          <p:cNvPr id="3" name="TextBox 2"/>
-          <p:cNvSpPr txBox="1"/>
-          <p:nvPr/>
-        </p:nvSpPr>
-        <p:spPr>
-          <a:xfrm>
-            <a:off x="457200" y="533400"/>
-            <a:ext cx="1986441" cy="630942"/>
-          </a:xfrm>
-          <a:prstGeom prst="rect">
-            <a:avLst/>
-          </a:prstGeom>
-          <a:noFill/>
-        </p:spPr>
-        <p:txBody>
-          <a:bodyPr wrap="none" rtlCol="0">
-            <a:spAutoFit/>
-          </a:bodyPr>
-          <a:lstStyle/>
-          <a:p>
-            <a:r>
-              <a:rPr lang="en-US" sz="3500" dirty="0" smtClean="0">
-                <a:solidFill>
-                  <a:schemeClr val="tx1">
-                    <a:lumMod val="65000"/>
-                    <a:lumOff val="35000"/>
-                  </a:schemeClr>
-                </a:solidFill>
-                <a:effectLst>
-                  <a:outerShdw blurRad="38100" dist="38100" dir="2700000" algn="tl">
-                    <a:srgbClr val="000000">
-                      <a:alpha val="43137"/>
-                    </a:srgbClr>
-                  </a:outerShdw>
-                </a:effectLst>
-              </a:rPr>
-              <a:t>About me</a:t>
-            </a:r>
-          </a:p>
-        </p:txBody>
-      </p:sp>
-      <p:sp>
-        <p:nvSpPr>
-          <p:cNvPr id="4" name="Rectangle 3"/>
-          <p:cNvSpPr/>
-          <p:nvPr/>
-        </p:nvSpPr>
-        <p:spPr>
-          <a:xfrm>
-            <a:off x="2195736" y="2146754"/>
-            <a:ext cx="4752528" cy="477054"/>
-          </a:xfrm>
-          <a:prstGeom prst="rect">
-            <a:avLst/>
-          </a:prstGeom>
-        </p:spPr>
-        <p:txBody>
-          <a:bodyPr wrap="square">
-            <a:spAutoFit/>
-          </a:bodyPr>
-          <a:lstStyle/>
-          <a:p>
-            <a:pPr algn="ctr"/>
-            <a:r>
-              <a:rPr lang="ru-RU" sz="2500" b="1" dirty="0" smtClean="0"/>
-              <a:t>Александр </a:t>
-            </a:r>
-            <a:r>
-              <a:rPr lang="ru-RU" sz="2500" b="1" dirty="0" err="1" smtClean="0"/>
-              <a:t>Ведмедь</a:t>
-            </a:r>
-            <a:endParaRPr lang="en-US" sz="2500" b="1" dirty="0"/>
-          </a:p>
-        </p:txBody>
-      </p:sp>
-      <p:sp>
-        <p:nvSpPr>
-          <p:cNvPr id="5" name="Rectangle 4"/>
-          <p:cNvSpPr/>
-          <p:nvPr/>
-        </p:nvSpPr>
-        <p:spPr>
-          <a:xfrm>
-            <a:off x="3131840" y="2707077"/>
-            <a:ext cx="2952328" cy="369332"/>
-          </a:xfrm>
-          <a:prstGeom prst="rect">
-            <a:avLst/>
-          </a:prstGeom>
-        </p:spPr>
-        <p:txBody>
-          <a:bodyPr wrap="square">
-            <a:spAutoFit/>
-          </a:bodyPr>
-          <a:lstStyle/>
-          <a:p>
-            <a:pPr algn="ctr"/>
-            <a:r>
-              <a:rPr lang="en-US" u="sng" dirty="0" smtClean="0">
-                <a:solidFill>
-                  <a:schemeClr val="tx2">
-                    <a:lumMod val="60000"/>
-                    <a:lumOff val="40000"/>
-                  </a:schemeClr>
-                </a:solidFill>
-              </a:rPr>
-              <a:t>alexandr.vedmed@gmail.com</a:t>
-            </a:r>
-            <a:endParaRPr lang="en-US" u="sng" dirty="0">
-              <a:solidFill>
-                <a:schemeClr val="tx2">
-                  <a:lumMod val="60000"/>
-                  <a:lumOff val="40000"/>
-                </a:schemeClr>
-              </a:solidFill>
-            </a:endParaRPr>
-          </a:p>
-        </p:txBody>
-      </p:sp>
-      <p:sp>
-        <p:nvSpPr>
-          <p:cNvPr id="6" name="Rectangle 5"/>
-          <p:cNvSpPr/>
-          <p:nvPr/>
-        </p:nvSpPr>
-        <p:spPr>
-          <a:xfrm>
-            <a:off x="2195736" y="3478601"/>
-            <a:ext cx="4752528" cy="1323439"/>
-          </a:xfrm>
-          <a:prstGeom prst="rect">
-            <a:avLst/>
-          </a:prstGeom>
-        </p:spPr>
-        <p:txBody>
-          <a:bodyPr wrap="square">
-            <a:spAutoFit/>
-          </a:bodyPr>
-          <a:lstStyle/>
-          <a:p>
-            <a:pPr algn="ctr"/>
-            <a:r>
-              <a:rPr lang="ru-RU" sz="2000" dirty="0" smtClean="0"/>
-              <a:t>Место постоянной занятости:</a:t>
-            </a:r>
-          </a:p>
-          <a:p>
-            <a:pPr algn="ctr"/>
-            <a:r>
-              <a:rPr lang="en-US" sz="2000" i="1" dirty="0" smtClean="0"/>
-              <a:t>ISD,</a:t>
-            </a:r>
-          </a:p>
-          <a:p>
-            <a:pPr algn="ctr"/>
-            <a:r>
-              <a:rPr lang="en-US" sz="2000" i="1" dirty="0" smtClean="0"/>
-              <a:t>HR department,</a:t>
-            </a:r>
-          </a:p>
-          <a:p>
-            <a:pPr algn="ctr"/>
-            <a:r>
-              <a:rPr lang="en-US" sz="2000" i="1" dirty="0" smtClean="0"/>
-              <a:t>Education </a:t>
-            </a:r>
-            <a:r>
-              <a:rPr lang="en-US" sz="2000" i="1" dirty="0" smtClean="0"/>
-              <a:t>team manager</a:t>
-            </a:r>
-            <a:endParaRPr lang="en-US" sz="2000" i="1" dirty="0"/>
-          </a:p>
-        </p:txBody>
-      </p:sp>
-      <p:sp>
-        <p:nvSpPr>
-          <p:cNvPr id="7" name="Rectangle 6"/>
-          <p:cNvSpPr/>
-          <p:nvPr/>
-        </p:nvSpPr>
-        <p:spPr>
-          <a:xfrm>
-            <a:off x="1619672" y="5200873"/>
-            <a:ext cx="5904656" cy="861774"/>
-          </a:xfrm>
-          <a:prstGeom prst="rect">
-            <a:avLst/>
-          </a:prstGeom>
-        </p:spPr>
-        <p:txBody>
-          <a:bodyPr wrap="square">
-            <a:spAutoFit/>
-          </a:bodyPr>
-          <a:lstStyle/>
-          <a:p>
-            <a:pPr algn="ctr"/>
-            <a:r>
-              <a:rPr lang="ru-RU" sz="2500" b="1" dirty="0" smtClean="0"/>
-              <a:t>Расскажите о себе,</a:t>
-            </a:r>
-          </a:p>
-          <a:p>
-            <a:pPr algn="ctr"/>
-            <a:r>
-              <a:rPr lang="ru-RU" sz="2500" b="1" dirty="0" smtClean="0"/>
-              <a:t>Расскажите о цели этого тренинга</a:t>
-            </a:r>
-            <a:endParaRPr lang="en-US" sz="2500" b="1" dirty="0"/>
-          </a:p>
-        </p:txBody>
-      </p:sp>
-    </p:spTree>
-    <p:extLst>
-      <p:ext uri="{BB962C8B-B14F-4D97-AF65-F5344CB8AC3E}">
-        <p14:creationId xmlns:p14="http://schemas.microsoft.com/office/powerpoint/2010/main" val="3292176594"/>
-      </p:ext>
-    </p:extLst>
-  </p:cSld>
-  <p:clrMapOvr>
-    <a:masterClrMapping/>
-  </p:clrMapOvr>
-  <p:timing>
-    <p:tnLst>
-      <p:par>
-        <p:cTn id="1" dur="indefinite" restart="never" nodeType="tmRoot">
-          <p:childTnLst>
-            <p:seq concurrent="1" nextAc="seek">
-              <p:cTn id="2" dur="indefinite" nodeType="mainSeq">
-                <p:childTnLst>
-                  <p:par>
-                    <p:cTn id="3" fill="hold">
-                      <p:stCondLst>
-                        <p:cond delay="indefinite"/>
-                      </p:stCondLst>
-                      <p:childTnLst>
-                        <p:par>
-                          <p:cTn id="4" fill="hold">
-                            <p:stCondLst>
-                              <p:cond delay="0"/>
-                            </p:stCondLst>
-                            <p:childTnLst>
-                              <p:par>
-                                <p:cTn id="5" presetID="10" presetClass="entr" presetSubtype="0" fill="hold" grpId="0" nodeType="clickEffect">
-                                  <p:stCondLst>
-                                    <p:cond delay="0"/>
-                                  </p:stCondLst>
-                                  <p:childTnLst>
-                                    <p:set>
-                                      <p:cBhvr>
-                                        <p:cTn id="6" dur="1" fill="hold">
-                                          <p:stCondLst>
-                                            <p:cond delay="0"/>
-                                          </p:stCondLst>
-                                        </p:cTn>
-                                        <p:tgtEl>
-                                          <p:spTgt spid="4"/>
-                                        </p:tgtEl>
-                                        <p:attrNameLst>
-                                          <p:attrName>style.visibility</p:attrName>
-                                        </p:attrNameLst>
-                                      </p:cBhvr>
-                                      <p:to>
-                                        <p:strVal val="visible"/>
-                                      </p:to>
-                                    </p:set>
-                                    <p:animEffect transition="in" filter="fade">
-                                      <p:cBhvr>
-                                        <p:cTn id="7" dur="500"/>
-                                        <p:tgtEl>
-                                          <p:spTgt spid="4"/>
-                                        </p:tgtEl>
-                                      </p:cBhvr>
-                                    </p:animEffect>
-                                  </p:childTnLst>
-                                </p:cTn>
-                              </p:par>
-                            </p:childTnLst>
-                          </p:cTn>
-                        </p:par>
-                      </p:childTnLst>
-                    </p:cTn>
-                  </p:par>
-                  <p:par>
-                    <p:cTn id="8" fill="hold">
-                      <p:stCondLst>
-                        <p:cond delay="indefinite"/>
-                      </p:stCondLst>
-                      <p:childTnLst>
-                        <p:par>
-                          <p:cTn id="9" fill="hold">
-                            <p:stCondLst>
-                              <p:cond delay="0"/>
-                            </p:stCondLst>
-                            <p:childTnLst>
-                              <p:par>
-                                <p:cTn id="10" presetID="10" presetClass="entr" presetSubtype="0" fill="hold" grpId="0" nodeType="clickEffect">
-                                  <p:stCondLst>
-                                    <p:cond delay="0"/>
-                                  </p:stCondLst>
-                                  <p:childTnLst>
-                                    <p:set>
-                                      <p:cBhvr>
-                                        <p:cTn id="11" dur="1" fill="hold">
-                                          <p:stCondLst>
-                                            <p:cond delay="0"/>
-                                          </p:stCondLst>
-                                        </p:cTn>
-                                        <p:tgtEl>
-                                          <p:spTgt spid="5"/>
-                                        </p:tgtEl>
-                                        <p:attrNameLst>
-                                          <p:attrName>style.visibility</p:attrName>
-                                        </p:attrNameLst>
-                                      </p:cBhvr>
-                                      <p:to>
-                                        <p:strVal val="visible"/>
-                                      </p:to>
-                                    </p:set>
-                                    <p:animEffect transition="in" filter="fade">
-                                      <p:cBhvr>
-                                        <p:cTn id="12" dur="500"/>
-                                        <p:tgtEl>
-                                          <p:spTgt spid="5"/>
-                                        </p:tgtEl>
-                                      </p:cBhvr>
-                                    </p:animEffect>
-                                  </p:childTnLst>
-                                </p:cTn>
-                              </p:par>
-                            </p:childTnLst>
-                          </p:cTn>
-                        </p:par>
-                      </p:childTnLst>
-                    </p:cTn>
-                  </p:par>
-                  <p:par>
-                    <p:cTn id="13" fill="hold">
-                      <p:stCondLst>
-                        <p:cond delay="indefinite"/>
-                      </p:stCondLst>
-                      <p:childTnLst>
-                        <p:par>
-                          <p:cTn id="14" fill="hold">
-                            <p:stCondLst>
-                              <p:cond delay="0"/>
-                            </p:stCondLst>
-                            <p:childTnLst>
-                              <p:par>
-                                <p:cTn id="15" presetID="10" presetClass="entr" presetSubtype="0" fill="hold" grpId="0" nodeType="clickEffect">
-                                  <p:stCondLst>
-                                    <p:cond delay="0"/>
-                                  </p:stCondLst>
-                                  <p:childTnLst>
-                                    <p:set>
-                                      <p:cBhvr>
-                                        <p:cTn id="16" dur="1" fill="hold">
-                                          <p:stCondLst>
-                                            <p:cond delay="0"/>
-                                          </p:stCondLst>
-                                        </p:cTn>
-                                        <p:tgtEl>
-                                          <p:spTgt spid="6"/>
-                                        </p:tgtEl>
-                                        <p:attrNameLst>
-                                          <p:attrName>style.visibility</p:attrName>
-                                        </p:attrNameLst>
-                                      </p:cBhvr>
-                                      <p:to>
-                                        <p:strVal val="visible"/>
-                                      </p:to>
-                                    </p:set>
-                                    <p:animEffect transition="in" filter="fade">
-                                      <p:cBhvr>
-                                        <p:cTn id="17" dur="500"/>
-                                        <p:tgtEl>
-                                          <p:spTgt spid="6"/>
-                                        </p:tgtEl>
-                                      </p:cBhvr>
-                                    </p:animEffect>
-                                  </p:childTnLst>
-                                </p:cTn>
-                              </p:par>
-                            </p:childTnLst>
-                          </p:cTn>
-                        </p:par>
-                      </p:childTnLst>
-                    </p:cTn>
-                  </p:par>
-                  <p:par>
-                    <p:cTn id="18" fill="hold">
-                      <p:stCondLst>
-                        <p:cond delay="indefinite"/>
-                      </p:stCondLst>
-                      <p:childTnLst>
-                        <p:par>
-                          <p:cTn id="19" fill="hold">
-                            <p:stCondLst>
-                              <p:cond delay="0"/>
-                            </p:stCondLst>
-                            <p:childTnLst>
-                              <p:par>
-                                <p:cTn id="20" presetID="10" presetClass="entr" presetSubtype="0" fill="hold" grpId="0" nodeType="clickEffect">
-                                  <p:stCondLst>
-                                    <p:cond delay="0"/>
-                                  </p:stCondLst>
-                                  <p:childTnLst>
-                                    <p:set>
-                                      <p:cBhvr>
-                                        <p:cTn id="21" dur="1" fill="hold">
-                                          <p:stCondLst>
-                                            <p:cond delay="0"/>
-                                          </p:stCondLst>
-                                        </p:cTn>
-                                        <p:tgtEl>
-                                          <p:spTgt spid="7"/>
-                                        </p:tgtEl>
-                                        <p:attrNameLst>
-                                          <p:attrName>style.visibility</p:attrName>
-                                        </p:attrNameLst>
-                                      </p:cBhvr>
-                                      <p:to>
-                                        <p:strVal val="visible"/>
-                                      </p:to>
-                                    </p:set>
-                                    <p:animEffect transition="in" filter="fade">
-                                      <p:cBhvr>
-                                        <p:cTn id="22" dur="500"/>
-                                        <p:tgtEl>
-                                          <p:spTgt spid="7"/>
-                                        </p:tgtEl>
-                                      </p:cBhvr>
-                                    </p:animEffect>
-                                  </p:childTnLst>
-                                </p:cTn>
-                              </p:par>
-                            </p:childTnLst>
-                          </p:cTn>
-                        </p:par>
-                      </p:childTnLst>
-                    </p:cTn>
-                  </p:par>
-                </p:childTnLst>
-              </p:cTn>
-              <p:prevCondLst>
-                <p:cond evt="onPrev" delay="0">
-                  <p:tgtEl>
-                    <p:sldTgt/>
-                  </p:tgtEl>
-                </p:cond>
-              </p:prevCondLst>
-              <p:nextCondLst>
-                <p:cond evt="onNext" delay="0">
-                  <p:tgtEl>
-                    <p:sldTgt/>
-                  </p:tgtEl>
-                </p:cond>
-              </p:nextCondLst>
-            </p:seq>
-          </p:childTnLst>
-        </p:cTn>
-      </p:par>
-    </p:tnLst>
-    <p:bldLst>
-      <p:bldP spid="4" grpId="0"/>
-      <p:bldP spid="5" grpId="0"/>
-      <p:bldP spid="6" grpId="0"/>
-      <p:bldP spid="7" grpId="0"/>
-    </p:bldLst>
-  </p:timing>
-</p:sld>
-</file>
-
-<file path=ppt/slides/slide20.xml><?xml version="1.0" encoding="utf-8"?>
-<p:sld xmlns:a="http://schemas.openxmlformats.org/drawingml/2006/main" xmlns:r="http://schemas.openxmlformats.org/officeDocument/2006/relationships" xmlns:p="http://schemas.openxmlformats.org/presentationml/2006/main">
-  <p:cSld>
-    <p:spTree>
-      <p:nvGrpSpPr>
-        <p:cNvPr id="1" name=""/>
-        <p:cNvGrpSpPr/>
-        <p:nvPr/>
-      </p:nvGrpSpPr>
-      <p:grpSpPr>
-        <a:xfrm>
-          <a:off x="0" y="0"/>
-          <a:ext cx="0" cy="0"/>
-          <a:chOff x="0" y="0"/>
-          <a:chExt cx="0" cy="0"/>
-        </a:xfrm>
-      </p:grpSpPr>
-      <p:sp>
-        <p:nvSpPr>
           <p:cNvPr id="4" name="TextBox 3"/>
           <p:cNvSpPr txBox="1"/>
           <p:nvPr/>
@@ -11317,14 +9794,7 @@
                 <a:latin typeface="Aharoni" pitchFamily="2" charset="-79"/>
                 <a:cs typeface="Aharoni" pitchFamily="2" charset="-79"/>
               </a:rPr>
-              <a:t> </a:t>
-            </a:r>
-            <a:r>
-              <a:rPr lang="en-US" dirty="0" smtClean="0">
-                <a:latin typeface="Aharoni" pitchFamily="2" charset="-79"/>
-                <a:cs typeface="Aharoni" pitchFamily="2" charset="-79"/>
-              </a:rPr>
-              <a:t>are valuable</a:t>
+              <a:t> are valuable</a:t>
             </a:r>
             <a:endParaRPr lang="en-US" dirty="0">
               <a:latin typeface="Aharoni" pitchFamily="2" charset="-79"/>
@@ -11514,7 +9984,7 @@
 </p:sld>
 </file>
 
-<file path=ppt/slides/slide21.xml><?xml version="1.0" encoding="utf-8"?>
+<file path=ppt/slides/slide19.xml><?xml version="1.0" encoding="utf-8"?>
 <p:sld xmlns:a="http://schemas.openxmlformats.org/drawingml/2006/main" xmlns:r="http://schemas.openxmlformats.org/officeDocument/2006/relationships" xmlns:p="http://schemas.openxmlformats.org/presentationml/2006/main">
   <p:cSld>
     <p:spTree>
@@ -12041,7 +10511,7 @@
 </p:sld>
 </file>
 
-<file path=ppt/slides/slide3.xml><?xml version="1.0" encoding="utf-8"?>
+<file path=ppt/slides/slide2.xml><?xml version="1.0" encoding="utf-8"?>
 <p:sld xmlns:a="http://schemas.openxmlformats.org/drawingml/2006/main" xmlns:r="http://schemas.openxmlformats.org/officeDocument/2006/relationships" xmlns:p="http://schemas.openxmlformats.org/presentationml/2006/main">
   <p:cSld>
     <p:spTree>
@@ -12357,7 +10827,7 @@
 </p:sld>
 </file>
 
-<file path=ppt/slides/slide4.xml><?xml version="1.0" encoding="utf-8"?>
+<file path=ppt/slides/slide3.xml><?xml version="1.0" encoding="utf-8"?>
 <p:sld xmlns:a="http://schemas.openxmlformats.org/drawingml/2006/main" xmlns:r="http://schemas.openxmlformats.org/officeDocument/2006/relationships" xmlns:p="http://schemas.openxmlformats.org/presentationml/2006/main">
   <p:cSld>
     <p:spTree>
@@ -12776,7 +11246,7 @@
 </p:sld>
 </file>
 
-<file path=ppt/slides/slide5.xml><?xml version="1.0" encoding="utf-8"?>
+<file path=ppt/slides/slide4.xml><?xml version="1.0" encoding="utf-8"?>
 <p:sld xmlns:a="http://schemas.openxmlformats.org/drawingml/2006/main" xmlns:r="http://schemas.openxmlformats.org/officeDocument/2006/relationships" xmlns:p="http://schemas.openxmlformats.org/presentationml/2006/main">
   <p:cSld>
     <p:spTree>
@@ -13159,7 +11629,7 @@
 </p:sld>
 </file>
 
-<file path=ppt/slides/slide6.xml><?xml version="1.0" encoding="utf-8"?>
+<file path=ppt/slides/slide5.xml><?xml version="1.0" encoding="utf-8"?>
 <p:sld xmlns:a="http://schemas.openxmlformats.org/drawingml/2006/main" xmlns:r="http://schemas.openxmlformats.org/officeDocument/2006/relationships" xmlns:p="http://schemas.openxmlformats.org/presentationml/2006/main">
   <p:cSld>
     <p:spTree>
@@ -13571,7 +12041,7 @@
 </p:sld>
 </file>
 
-<file path=ppt/slides/slide7.xml><?xml version="1.0" encoding="utf-8"?>
+<file path=ppt/slides/slide6.xml><?xml version="1.0" encoding="utf-8"?>
 <p:sld xmlns:a="http://schemas.openxmlformats.org/drawingml/2006/main" xmlns:r="http://schemas.openxmlformats.org/officeDocument/2006/relationships" xmlns:p="http://schemas.openxmlformats.org/presentationml/2006/main">
   <p:cSld>
     <p:spTree>
@@ -13968,7 +12438,7 @@
 </p:sld>
 </file>
 
-<file path=ppt/slides/slide8.xml><?xml version="1.0" encoding="utf-8"?>
+<file path=ppt/slides/slide7.xml><?xml version="1.0" encoding="utf-8"?>
 <p:sld xmlns:a="http://schemas.openxmlformats.org/drawingml/2006/main" xmlns:r="http://schemas.openxmlformats.org/officeDocument/2006/relationships" xmlns:p="http://schemas.openxmlformats.org/presentationml/2006/main">
   <p:cSld>
     <p:spTree>
@@ -14390,7 +12860,7 @@
 </p:sld>
 </file>
 
-<file path=ppt/slides/slide9.xml><?xml version="1.0" encoding="utf-8"?>
+<file path=ppt/slides/slide8.xml><?xml version="1.0" encoding="utf-8"?>
 <p:sld xmlns:a="http://schemas.openxmlformats.org/drawingml/2006/main" xmlns:r="http://schemas.openxmlformats.org/officeDocument/2006/relationships" xmlns:p="http://schemas.openxmlformats.org/presentationml/2006/main">
   <p:cSld>
     <p:spTree>
@@ -14510,6 +12980,527 @@
     <p:extLst>
       <p:ext uri="{BB962C8B-B14F-4D97-AF65-F5344CB8AC3E}">
         <p14:creationId xmlns:p14="http://schemas.microsoft.com/office/powerpoint/2010/main" val="1101847161"/>
+      </p:ext>
+    </p:extLst>
+  </p:cSld>
+  <p:clrMapOvr>
+    <a:masterClrMapping/>
+  </p:clrMapOvr>
+  <p:timing>
+    <p:tnLst>
+      <p:par>
+        <p:cTn id="1" dur="indefinite" restart="never" nodeType="tmRoot"/>
+      </p:par>
+    </p:tnLst>
+  </p:timing>
+</p:sld>
+</file>
+
+<file path=ppt/slides/slide9.xml><?xml version="1.0" encoding="utf-8"?>
+<p:sld xmlns:a="http://schemas.openxmlformats.org/drawingml/2006/main" xmlns:r="http://schemas.openxmlformats.org/officeDocument/2006/relationships" xmlns:p="http://schemas.openxmlformats.org/presentationml/2006/main">
+  <p:cSld>
+    <p:spTree>
+      <p:nvGrpSpPr>
+        <p:cNvPr id="1" name=""/>
+        <p:cNvGrpSpPr/>
+        <p:nvPr/>
+      </p:nvGrpSpPr>
+      <p:grpSpPr>
+        <a:xfrm>
+          <a:off x="0" y="0"/>
+          <a:ext cx="0" cy="0"/>
+          <a:chOff x="0" y="0"/>
+          <a:chExt cx="0" cy="0"/>
+        </a:xfrm>
+      </p:grpSpPr>
+      <p:sp>
+        <p:nvSpPr>
+          <p:cNvPr id="3" name="TextBox 2"/>
+          <p:cNvSpPr txBox="1"/>
+          <p:nvPr/>
+        </p:nvSpPr>
+        <p:spPr>
+          <a:xfrm>
+            <a:off x="457200" y="533400"/>
+            <a:ext cx="1561133" cy="630942"/>
+          </a:xfrm>
+          <a:prstGeom prst="rect">
+            <a:avLst/>
+          </a:prstGeom>
+          <a:noFill/>
+        </p:spPr>
+        <p:txBody>
+          <a:bodyPr wrap="none" rtlCol="0">
+            <a:spAutoFit/>
+          </a:bodyPr>
+          <a:lstStyle/>
+          <a:p>
+            <a:r>
+              <a:rPr lang="en-US" sz="3500" dirty="0" smtClean="0">
+                <a:solidFill>
+                  <a:schemeClr val="tx1">
+                    <a:lumMod val="65000"/>
+                    <a:lumOff val="35000"/>
+                  </a:schemeClr>
+                </a:solidFill>
+                <a:effectLst>
+                  <a:outerShdw blurRad="38100" dist="38100" dir="2700000" algn="tl">
+                    <a:srgbClr val="000000">
+                      <a:alpha val="43137"/>
+                    </a:srgbClr>
+                  </a:outerShdw>
+                </a:effectLst>
+              </a:rPr>
+              <a:t>Agenda</a:t>
+            </a:r>
+            <a:endParaRPr lang="en-US" sz="3500" dirty="0">
+              <a:solidFill>
+                <a:schemeClr val="tx1">
+                  <a:lumMod val="65000"/>
+                  <a:lumOff val="35000"/>
+                </a:schemeClr>
+              </a:solidFill>
+              <a:effectLst>
+                <a:outerShdw blurRad="38100" dist="38100" dir="2700000" algn="tl">
+                  <a:srgbClr val="000000">
+                    <a:alpha val="43137"/>
+                  </a:srgbClr>
+                </a:outerShdw>
+              </a:effectLst>
+            </a:endParaRPr>
+          </a:p>
+        </p:txBody>
+      </p:sp>
+      <p:sp>
+        <p:nvSpPr>
+          <p:cNvPr id="4" name="Rectangle 3"/>
+          <p:cNvSpPr/>
+          <p:nvPr/>
+        </p:nvSpPr>
+        <p:spPr>
+          <a:xfrm>
+            <a:off x="1249680" y="1362670"/>
+            <a:ext cx="4572000" cy="369332"/>
+          </a:xfrm>
+          <a:prstGeom prst="rect">
+            <a:avLst/>
+          </a:prstGeom>
+        </p:spPr>
+        <p:txBody>
+          <a:bodyPr>
+            <a:spAutoFit/>
+          </a:bodyPr>
+          <a:lstStyle/>
+          <a:p>
+            <a:r>
+              <a:rPr lang="en-US" dirty="0" smtClean="0"/>
+              <a:t>What is Testing?</a:t>
+            </a:r>
+            <a:endParaRPr lang="en-US" dirty="0"/>
+          </a:p>
+        </p:txBody>
+      </p:sp>
+      <p:sp>
+        <p:nvSpPr>
+          <p:cNvPr id="5" name="Rectangle 4"/>
+          <p:cNvSpPr/>
+          <p:nvPr/>
+        </p:nvSpPr>
+        <p:spPr>
+          <a:xfrm>
+            <a:off x="1295400" y="3048000"/>
+            <a:ext cx="6477000" cy="369332"/>
+          </a:xfrm>
+          <a:prstGeom prst="rect">
+            <a:avLst/>
+          </a:prstGeom>
+        </p:spPr>
+        <p:txBody>
+          <a:bodyPr wrap="square">
+            <a:spAutoFit/>
+          </a:bodyPr>
+          <a:lstStyle/>
+          <a:p>
+            <a:r>
+              <a:rPr lang="en-US" dirty="0" smtClean="0"/>
+              <a:t>Quality Assurance, Quality Control and Software Testing</a:t>
+            </a:r>
+            <a:endParaRPr lang="en-US" dirty="0"/>
+          </a:p>
+        </p:txBody>
+      </p:sp>
+      <p:sp>
+        <p:nvSpPr>
+          <p:cNvPr id="6" name="Rectangle 5"/>
+          <p:cNvSpPr/>
+          <p:nvPr/>
+        </p:nvSpPr>
+        <p:spPr>
+          <a:xfrm>
+            <a:off x="1295400" y="2450068"/>
+            <a:ext cx="4572000" cy="369332"/>
+          </a:xfrm>
+          <a:prstGeom prst="rect">
+            <a:avLst/>
+          </a:prstGeom>
+        </p:spPr>
+        <p:txBody>
+          <a:bodyPr>
+            <a:spAutoFit/>
+          </a:bodyPr>
+          <a:lstStyle/>
+          <a:p>
+            <a:r>
+              <a:rPr lang="en-US" dirty="0" smtClean="0"/>
+              <a:t>Role of Testing in Software Development</a:t>
+            </a:r>
+            <a:endParaRPr lang="en-US" dirty="0"/>
+          </a:p>
+        </p:txBody>
+      </p:sp>
+      <p:sp>
+        <p:nvSpPr>
+          <p:cNvPr id="7" name="Rectangle 6"/>
+          <p:cNvSpPr/>
+          <p:nvPr/>
+        </p:nvSpPr>
+        <p:spPr>
+          <a:xfrm>
+            <a:off x="1249680" y="1916668"/>
+            <a:ext cx="1796646" cy="369332"/>
+          </a:xfrm>
+          <a:prstGeom prst="rect">
+            <a:avLst/>
+          </a:prstGeom>
+        </p:spPr>
+        <p:txBody>
+          <a:bodyPr wrap="none">
+            <a:spAutoFit/>
+          </a:bodyPr>
+          <a:lstStyle/>
+          <a:p>
+            <a:r>
+              <a:rPr lang="en-US" dirty="0" smtClean="0"/>
+              <a:t>Testing Principles</a:t>
+            </a:r>
+            <a:endParaRPr lang="en-US" dirty="0"/>
+          </a:p>
+        </p:txBody>
+      </p:sp>
+      <p:sp>
+        <p:nvSpPr>
+          <p:cNvPr id="13" name="Flowchart: Connector 12"/>
+          <p:cNvSpPr/>
+          <p:nvPr/>
+        </p:nvSpPr>
+        <p:spPr>
+          <a:xfrm>
+            <a:off x="944741" y="1488043"/>
+            <a:ext cx="84841" cy="99536"/>
+          </a:xfrm>
+          <a:prstGeom prst="flowChartConnector">
+            <a:avLst/>
+          </a:prstGeom>
+        </p:spPr>
+        <p:style>
+          <a:lnRef idx="1">
+            <a:schemeClr val="accent6"/>
+          </a:lnRef>
+          <a:fillRef idx="3">
+            <a:schemeClr val="accent6"/>
+          </a:fillRef>
+          <a:effectRef idx="2">
+            <a:schemeClr val="accent6"/>
+          </a:effectRef>
+          <a:fontRef idx="minor">
+            <a:schemeClr val="lt1"/>
+          </a:fontRef>
+        </p:style>
+        <p:txBody>
+          <a:bodyPr rtlCol="0" anchor="ctr"/>
+          <a:lstStyle/>
+          <a:p>
+            <a:pPr algn="ctr"/>
+            <a:endParaRPr lang="en-US">
+              <a:solidFill>
+                <a:schemeClr val="tx1"/>
+              </a:solidFill>
+            </a:endParaRPr>
+          </a:p>
+        </p:txBody>
+      </p:sp>
+      <p:sp>
+        <p:nvSpPr>
+          <p:cNvPr id="14" name="Flowchart: Connector 13"/>
+          <p:cNvSpPr/>
+          <p:nvPr/>
+        </p:nvSpPr>
+        <p:spPr>
+          <a:xfrm>
+            <a:off x="931779" y="2051566"/>
+            <a:ext cx="84841" cy="99536"/>
+          </a:xfrm>
+          <a:prstGeom prst="flowChartConnector">
+            <a:avLst/>
+          </a:prstGeom>
+        </p:spPr>
+        <p:style>
+          <a:lnRef idx="1">
+            <a:schemeClr val="accent6"/>
+          </a:lnRef>
+          <a:fillRef idx="3">
+            <a:schemeClr val="accent6"/>
+          </a:fillRef>
+          <a:effectRef idx="2">
+            <a:schemeClr val="accent6"/>
+          </a:effectRef>
+          <a:fontRef idx="minor">
+            <a:schemeClr val="lt1"/>
+          </a:fontRef>
+        </p:style>
+        <p:txBody>
+          <a:bodyPr rtlCol="0" anchor="ctr"/>
+          <a:lstStyle/>
+          <a:p>
+            <a:pPr algn="ctr"/>
+            <a:endParaRPr lang="en-US">
+              <a:solidFill>
+                <a:schemeClr val="tx1"/>
+              </a:solidFill>
+            </a:endParaRPr>
+          </a:p>
+        </p:txBody>
+      </p:sp>
+      <p:sp>
+        <p:nvSpPr>
+          <p:cNvPr id="15" name="Flowchart: Connector 14"/>
+          <p:cNvSpPr/>
+          <p:nvPr/>
+        </p:nvSpPr>
+        <p:spPr>
+          <a:xfrm>
+            <a:off x="945626" y="2584966"/>
+            <a:ext cx="84841" cy="99536"/>
+          </a:xfrm>
+          <a:prstGeom prst="flowChartConnector">
+            <a:avLst/>
+          </a:prstGeom>
+        </p:spPr>
+        <p:style>
+          <a:lnRef idx="1">
+            <a:schemeClr val="accent6"/>
+          </a:lnRef>
+          <a:fillRef idx="3">
+            <a:schemeClr val="accent6"/>
+          </a:fillRef>
+          <a:effectRef idx="2">
+            <a:schemeClr val="accent6"/>
+          </a:effectRef>
+          <a:fontRef idx="minor">
+            <a:schemeClr val="lt1"/>
+          </a:fontRef>
+        </p:style>
+        <p:txBody>
+          <a:bodyPr rtlCol="0" anchor="ctr"/>
+          <a:lstStyle/>
+          <a:p>
+            <a:pPr algn="ctr"/>
+            <a:endParaRPr lang="en-US">
+              <a:solidFill>
+                <a:schemeClr val="tx1"/>
+              </a:solidFill>
+            </a:endParaRPr>
+          </a:p>
+        </p:txBody>
+      </p:sp>
+      <p:sp>
+        <p:nvSpPr>
+          <p:cNvPr id="16" name="Flowchart: Connector 15"/>
+          <p:cNvSpPr/>
+          <p:nvPr/>
+        </p:nvSpPr>
+        <p:spPr>
+          <a:xfrm>
+            <a:off x="944742" y="3182898"/>
+            <a:ext cx="84841" cy="99536"/>
+          </a:xfrm>
+          <a:prstGeom prst="flowChartConnector">
+            <a:avLst/>
+          </a:prstGeom>
+        </p:spPr>
+        <p:style>
+          <a:lnRef idx="1">
+            <a:schemeClr val="accent6"/>
+          </a:lnRef>
+          <a:fillRef idx="3">
+            <a:schemeClr val="accent6"/>
+          </a:fillRef>
+          <a:effectRef idx="2">
+            <a:schemeClr val="accent6"/>
+          </a:effectRef>
+          <a:fontRef idx="minor">
+            <a:schemeClr val="lt1"/>
+          </a:fontRef>
+        </p:style>
+        <p:txBody>
+          <a:bodyPr rtlCol="0" anchor="ctr"/>
+          <a:lstStyle/>
+          <a:p>
+            <a:pPr algn="ctr"/>
+            <a:endParaRPr lang="en-US">
+              <a:solidFill>
+                <a:schemeClr val="tx1"/>
+              </a:solidFill>
+            </a:endParaRPr>
+          </a:p>
+        </p:txBody>
+      </p:sp>
+      <p:sp>
+        <p:nvSpPr>
+          <p:cNvPr id="17" name="Rectangle 16"/>
+          <p:cNvSpPr/>
+          <p:nvPr/>
+        </p:nvSpPr>
+        <p:spPr>
+          <a:xfrm>
+            <a:off x="1295400" y="4211796"/>
+            <a:ext cx="6477000" cy="369332"/>
+          </a:xfrm>
+          <a:prstGeom prst="rect">
+            <a:avLst/>
+          </a:prstGeom>
+        </p:spPr>
+        <p:txBody>
+          <a:bodyPr wrap="square">
+            <a:spAutoFit/>
+          </a:bodyPr>
+          <a:lstStyle/>
+          <a:p>
+            <a:r>
+              <a:rPr lang="en-US" dirty="0" smtClean="0"/>
+              <a:t>Testing process</a:t>
+            </a:r>
+            <a:endParaRPr lang="en-US" dirty="0"/>
+          </a:p>
+        </p:txBody>
+      </p:sp>
+      <p:sp>
+        <p:nvSpPr>
+          <p:cNvPr id="18" name="Flowchart: Connector 17"/>
+          <p:cNvSpPr/>
+          <p:nvPr/>
+        </p:nvSpPr>
+        <p:spPr>
+          <a:xfrm>
+            <a:off x="944742" y="4365744"/>
+            <a:ext cx="84841" cy="99536"/>
+          </a:xfrm>
+          <a:prstGeom prst="flowChartConnector">
+            <a:avLst/>
+          </a:prstGeom>
+        </p:spPr>
+        <p:style>
+          <a:lnRef idx="1">
+            <a:schemeClr val="accent6"/>
+          </a:lnRef>
+          <a:fillRef idx="3">
+            <a:schemeClr val="accent6"/>
+          </a:fillRef>
+          <a:effectRef idx="2">
+            <a:schemeClr val="accent6"/>
+          </a:effectRef>
+          <a:fontRef idx="minor">
+            <a:schemeClr val="lt1"/>
+          </a:fontRef>
+        </p:style>
+        <p:txBody>
+          <a:bodyPr rtlCol="0" anchor="ctr"/>
+          <a:lstStyle/>
+          <a:p>
+            <a:pPr algn="ctr"/>
+            <a:endParaRPr lang="en-US">
+              <a:solidFill>
+                <a:schemeClr val="tx1"/>
+              </a:solidFill>
+            </a:endParaRPr>
+          </a:p>
+        </p:txBody>
+      </p:sp>
+      <p:sp>
+        <p:nvSpPr>
+          <p:cNvPr id="19" name="Rectangle 18"/>
+          <p:cNvSpPr/>
+          <p:nvPr/>
+        </p:nvSpPr>
+        <p:spPr>
+          <a:xfrm>
+            <a:off x="1295400" y="3646666"/>
+            <a:ext cx="6444952" cy="369332"/>
+          </a:xfrm>
+          <a:prstGeom prst="rect">
+            <a:avLst/>
+          </a:prstGeom>
+        </p:spPr>
+        <p:txBody>
+          <a:bodyPr wrap="square">
+            <a:spAutoFit/>
+          </a:bodyPr>
+          <a:lstStyle/>
+          <a:p>
+            <a:r>
+              <a:rPr lang="en-US" dirty="0" smtClean="0"/>
+              <a:t>Team roles</a:t>
+            </a:r>
+            <a:endParaRPr lang="en-US" dirty="0"/>
+          </a:p>
+        </p:txBody>
+      </p:sp>
+      <p:sp>
+        <p:nvSpPr>
+          <p:cNvPr id="20" name="Flowchart: Connector 19"/>
+          <p:cNvSpPr/>
+          <p:nvPr/>
+        </p:nvSpPr>
+        <p:spPr>
+          <a:xfrm>
+            <a:off x="944740" y="3781564"/>
+            <a:ext cx="84841" cy="99536"/>
+          </a:xfrm>
+          <a:prstGeom prst="flowChartConnector">
+            <a:avLst/>
+          </a:prstGeom>
+        </p:spPr>
+        <p:style>
+          <a:lnRef idx="1">
+            <a:schemeClr val="accent6"/>
+          </a:lnRef>
+          <a:fillRef idx="3">
+            <a:schemeClr val="accent6"/>
+          </a:fillRef>
+          <a:effectRef idx="2">
+            <a:schemeClr val="accent6"/>
+          </a:effectRef>
+          <a:fontRef idx="minor">
+            <a:schemeClr val="lt1"/>
+          </a:fontRef>
+        </p:style>
+        <p:txBody>
+          <a:bodyPr rtlCol="0" anchor="ctr"/>
+          <a:lstStyle/>
+          <a:p>
+            <a:pPr algn="ctr"/>
+            <a:endParaRPr lang="en-US">
+              <a:solidFill>
+                <a:schemeClr val="tx1"/>
+              </a:solidFill>
+            </a:endParaRPr>
+          </a:p>
+        </p:txBody>
+      </p:sp>
+    </p:spTree>
+    <p:extLst>
+      <p:ext uri="{BB962C8B-B14F-4D97-AF65-F5344CB8AC3E}">
+        <p14:creationId xmlns:p14="http://schemas.microsoft.com/office/powerpoint/2010/main" val="4060775951"/>
       </p:ext>
     </p:extLst>
   </p:cSld>

--- a/0.Introduction_part1/Introduction.pptx
+++ b/0.Introduction_part1/Introduction.pptx
@@ -129,7 +129,7 @@
   </p:defaultTextStyle>
   <p:extLst>
     <p:ext uri="{EFAFB233-063F-42B5-8137-9DF3F51BA10A}">
-      <p15:sldGuideLst xmlns:p15="http://schemas.microsoft.com/office/powerpoint/2012/main">
+      <p15:sldGuideLst xmlns:p15="http://schemas.microsoft.com/office/powerpoint/2012/main" xmlns="">
         <p15:guide id="1" orient="horz" pos="2160">
           <p15:clr>
             <a:srgbClr val="A4A3A4"/>
@@ -228,7 +228,7 @@
           <a:p>
             <a:fld id="{7FCDCAFE-ED6D-40DE-BB2A-6C2FAE0E1B23}" type="datetimeFigureOut">
               <a:rPr lang="en-US" smtClean="0"/>
-              <a:t>3/20/2013</a:t>
+              <a:t>11/25/2014</a:t>
             </a:fld>
             <a:endParaRPr lang="en-US"/>
           </a:p>
@@ -3245,7 +3245,7 @@
             <a:fld id="{1D8BD707-D9CF-40AE-B4C6-C98DA3205C09}" type="datetimeFigureOut">
               <a:rPr lang="en-US" smtClean="0"/>
               <a:pPr/>
-              <a:t>3/20/2013</a:t>
+              <a:t>11/25/2014</a:t>
             </a:fld>
             <a:endParaRPr lang="en-US"/>
           </a:p>
@@ -3412,7 +3412,7 @@
             <a:fld id="{1D8BD707-D9CF-40AE-B4C6-C98DA3205C09}" type="datetimeFigureOut">
               <a:rPr lang="en-US" smtClean="0"/>
               <a:pPr/>
-              <a:t>3/20/2013</a:t>
+              <a:t>11/25/2014</a:t>
             </a:fld>
             <a:endParaRPr lang="en-US"/>
           </a:p>
@@ -3589,7 +3589,7 @@
             <a:fld id="{1D8BD707-D9CF-40AE-B4C6-C98DA3205C09}" type="datetimeFigureOut">
               <a:rPr lang="en-US" smtClean="0"/>
               <a:pPr/>
-              <a:t>3/20/2013</a:t>
+              <a:t>11/25/2014</a:t>
             </a:fld>
             <a:endParaRPr lang="en-US"/>
           </a:p>
@@ -3756,7 +3756,7 @@
             <a:fld id="{1D8BD707-D9CF-40AE-B4C6-C98DA3205C09}" type="datetimeFigureOut">
               <a:rPr lang="en-US" smtClean="0"/>
               <a:pPr/>
-              <a:t>3/20/2013</a:t>
+              <a:t>11/25/2014</a:t>
             </a:fld>
             <a:endParaRPr lang="en-US"/>
           </a:p>
@@ -3999,7 +3999,7 @@
             <a:fld id="{1D8BD707-D9CF-40AE-B4C6-C98DA3205C09}" type="datetimeFigureOut">
               <a:rPr lang="en-US" smtClean="0"/>
               <a:pPr/>
-              <a:t>3/20/2013</a:t>
+              <a:t>11/25/2014</a:t>
             </a:fld>
             <a:endParaRPr lang="en-US"/>
           </a:p>
@@ -4284,7 +4284,7 @@
             <a:fld id="{1D8BD707-D9CF-40AE-B4C6-C98DA3205C09}" type="datetimeFigureOut">
               <a:rPr lang="en-US" smtClean="0"/>
               <a:pPr/>
-              <a:t>3/20/2013</a:t>
+              <a:t>11/25/2014</a:t>
             </a:fld>
             <a:endParaRPr lang="en-US"/>
           </a:p>
@@ -4703,7 +4703,7 @@
             <a:fld id="{1D8BD707-D9CF-40AE-B4C6-C98DA3205C09}" type="datetimeFigureOut">
               <a:rPr lang="en-US" smtClean="0"/>
               <a:pPr/>
-              <a:t>3/20/2013</a:t>
+              <a:t>11/25/2014</a:t>
             </a:fld>
             <a:endParaRPr lang="en-US"/>
           </a:p>
@@ -4818,7 +4818,7 @@
             <a:fld id="{1D8BD707-D9CF-40AE-B4C6-C98DA3205C09}" type="datetimeFigureOut">
               <a:rPr lang="en-US" smtClean="0"/>
               <a:pPr/>
-              <a:t>3/20/2013</a:t>
+              <a:t>11/25/2014</a:t>
             </a:fld>
             <a:endParaRPr lang="en-US"/>
           </a:p>
@@ -4910,7 +4910,7 @@
             <a:fld id="{1D8BD707-D9CF-40AE-B4C6-C98DA3205C09}" type="datetimeFigureOut">
               <a:rPr lang="en-US" smtClean="0"/>
               <a:pPr/>
-              <a:t>3/20/2013</a:t>
+              <a:t>11/25/2014</a:t>
             </a:fld>
             <a:endParaRPr lang="en-US"/>
           </a:p>
@@ -5184,7 +5184,7 @@
             <a:fld id="{1D8BD707-D9CF-40AE-B4C6-C98DA3205C09}" type="datetimeFigureOut">
               <a:rPr lang="en-US" smtClean="0"/>
               <a:pPr/>
-              <a:t>3/20/2013</a:t>
+              <a:t>11/25/2014</a:t>
             </a:fld>
             <a:endParaRPr lang="en-US"/>
           </a:p>
@@ -5434,7 +5434,7 @@
             <a:fld id="{1D8BD707-D9CF-40AE-B4C6-C98DA3205C09}" type="datetimeFigureOut">
               <a:rPr lang="en-US" smtClean="0"/>
               <a:pPr/>
-              <a:t>3/20/2013</a:t>
+              <a:t>11/25/2014</a:t>
             </a:fld>
             <a:endParaRPr lang="en-US"/>
           </a:p>
@@ -5653,7 +5653,7 @@
             <a:fld id="{1D8BD707-D9CF-40AE-B4C6-C98DA3205C09}" type="datetimeFigureOut">
               <a:rPr lang="en-US" smtClean="0"/>
               <a:pPr/>
-              <a:t>3/20/2013</a:t>
+              <a:t>11/25/2014</a:t>
             </a:fld>
             <a:endParaRPr lang="en-US"/>
           </a:p>
@@ -6162,7 +6162,7 @@
 </file>
 
 <file path=ppt/slides/slide10.xml><?xml version="1.0" encoding="utf-8"?>
-<p:sld xmlns:a="http://schemas.openxmlformats.org/drawingml/2006/main" xmlns:r="http://schemas.openxmlformats.org/officeDocument/2006/relationships" xmlns:p="http://schemas.openxmlformats.org/presentationml/2006/main">
+<p:sld xmlns:a="http://schemas.openxmlformats.org/drawingml/2006/main" xmlns:r="http://schemas.openxmlformats.org/officeDocument/2006/relationships" xmlns:p="http://schemas.openxmlformats.org/presentationml/2006/main" show="0">
   <p:cSld>
     <p:spTree>
       <p:nvGrpSpPr>
@@ -6672,6 +6672,14 @@
   <p:clrMapOvr>
     <a:masterClrMapping/>
   </p:clrMapOvr>
+  <mc:AlternateContent xmlns:mc="http://schemas.openxmlformats.org/markup-compatibility/2006">
+    <mc:Choice xmlns:p14="http://schemas.microsoft.com/office/powerpoint/2010/main" Requires="p14">
+      <p:transition spd="slow" p14:dur="2000"/>
+    </mc:Choice>
+    <mc:Fallback>
+      <p:transition spd="slow"/>
+    </mc:Fallback>
+  </mc:AlternateContent>
   <p:timing>
     <p:tnLst>
       <p:par>
@@ -9411,7 +9419,7 @@
 </file>
 
 <file path=ppt/slides/slide17.xml><?xml version="1.0" encoding="utf-8"?>
-<p:sld xmlns:a="http://schemas.openxmlformats.org/drawingml/2006/main" xmlns:r="http://schemas.openxmlformats.org/officeDocument/2006/relationships" xmlns:p="http://schemas.openxmlformats.org/presentationml/2006/main">
+<p:sld xmlns:a="http://schemas.openxmlformats.org/drawingml/2006/main" xmlns:r="http://schemas.openxmlformats.org/officeDocument/2006/relationships" xmlns:p="http://schemas.openxmlformats.org/presentationml/2006/main" show="0">
   <p:cSld>
     <p:spTree>
       <p:nvGrpSpPr>
@@ -9508,6 +9516,14 @@
   <p:clrMapOvr>
     <a:masterClrMapping/>
   </p:clrMapOvr>
+  <mc:AlternateContent xmlns:mc="http://schemas.openxmlformats.org/markup-compatibility/2006">
+    <mc:Choice xmlns:p14="http://schemas.microsoft.com/office/powerpoint/2010/main" Requires="p14">
+      <p:transition spd="slow" p14:dur="2000"/>
+    </mc:Choice>
+    <mc:Fallback>
+      <p:transition spd="slow"/>
+    </mc:Fallback>
+  </mc:AlternateContent>
   <p:timing>
     <p:tnLst>
       <p:par>
@@ -9587,7 +9603,7 @@
         <p:spPr>
           <a:xfrm>
             <a:off x="609600" y="1628800"/>
-            <a:ext cx="7772400" cy="3108543"/>
+            <a:ext cx="7772400" cy="3539430"/>
           </a:xfrm>
           <a:prstGeom prst="rect">
             <a:avLst/>
@@ -9601,7 +9617,18 @@
           <a:p>
             <a:r>
               <a:rPr lang="en-US" sz="2800" b="1" dirty="0"/>
-              <a:t>Tester can’t guarantee </a:t>
+              <a:t>The More Bugs You Find, the More Bugs There Are </a:t>
+            </a:r>
+            <a:endParaRPr lang="en-US" sz="2800" b="1" dirty="0" smtClean="0"/>
+          </a:p>
+          <a:p>
+            <a:r>
+              <a:rPr lang="en-US" sz="2800" b="1" dirty="0" smtClean="0"/>
+              <a:t>Tester </a:t>
+            </a:r>
+            <a:r>
+              <a:rPr lang="en-US" sz="2800" b="1" dirty="0"/>
+              <a:t>can’t guarantee </a:t>
             </a:r>
             <a:r>
               <a:rPr lang="en-US" sz="2800" b="1" dirty="0" smtClean="0"/>
@@ -9675,7 +9702,457 @@
   <p:timing>
     <p:tnLst>
       <p:par>
-        <p:cTn id="1" dur="indefinite" restart="never" nodeType="tmRoot"/>
+        <p:cTn id="1" dur="indefinite" restart="never" nodeType="tmRoot">
+          <p:childTnLst>
+            <p:seq concurrent="1" nextAc="seek">
+              <p:cTn id="2" dur="indefinite" nodeType="mainSeq">
+                <p:childTnLst>
+                  <p:par>
+                    <p:cTn id="3" fill="hold">
+                      <p:stCondLst>
+                        <p:cond delay="indefinite"/>
+                      </p:stCondLst>
+                      <p:childTnLst>
+                        <p:par>
+                          <p:cTn id="4" fill="hold">
+                            <p:stCondLst>
+                              <p:cond delay="0"/>
+                            </p:stCondLst>
+                            <p:childTnLst>
+                              <p:par>
+                                <p:cTn id="5" presetID="10" presetClass="entr" presetSubtype="0" fill="hold" nodeType="clickEffect">
+                                  <p:stCondLst>
+                                    <p:cond delay="0"/>
+                                  </p:stCondLst>
+                                  <p:childTnLst>
+                                    <p:set>
+                                      <p:cBhvr>
+                                        <p:cTn id="6" dur="1" fill="hold">
+                                          <p:stCondLst>
+                                            <p:cond delay="0"/>
+                                          </p:stCondLst>
+                                        </p:cTn>
+                                        <p:tgtEl>
+                                          <p:spTgt spid="5">
+                                            <p:txEl>
+                                              <p:pRg st="1" end="1"/>
+                                            </p:txEl>
+                                          </p:spTgt>
+                                        </p:tgtEl>
+                                        <p:attrNameLst>
+                                          <p:attrName>style.visibility</p:attrName>
+                                        </p:attrNameLst>
+                                      </p:cBhvr>
+                                      <p:to>
+                                        <p:strVal val="visible"/>
+                                      </p:to>
+                                    </p:set>
+                                    <p:animEffect transition="in" filter="fade">
+                                      <p:cBhvr>
+                                        <p:cTn id="7" dur="500"/>
+                                        <p:tgtEl>
+                                          <p:spTgt spid="5">
+                                            <p:txEl>
+                                              <p:pRg st="1" end="1"/>
+                                            </p:txEl>
+                                          </p:spTgt>
+                                        </p:tgtEl>
+                                      </p:cBhvr>
+                                    </p:animEffect>
+                                  </p:childTnLst>
+                                </p:cTn>
+                              </p:par>
+                            </p:childTnLst>
+                          </p:cTn>
+                        </p:par>
+                      </p:childTnLst>
+                    </p:cTn>
+                  </p:par>
+                  <p:par>
+                    <p:cTn id="8" fill="hold">
+                      <p:stCondLst>
+                        <p:cond delay="indefinite"/>
+                      </p:stCondLst>
+                      <p:childTnLst>
+                        <p:par>
+                          <p:cTn id="9" fill="hold">
+                            <p:stCondLst>
+                              <p:cond delay="0"/>
+                            </p:stCondLst>
+                            <p:childTnLst>
+                              <p:par>
+                                <p:cTn id="10" presetID="10" presetClass="entr" presetSubtype="0" fill="hold" nodeType="clickEffect">
+                                  <p:stCondLst>
+                                    <p:cond delay="0"/>
+                                  </p:stCondLst>
+                                  <p:childTnLst>
+                                    <p:set>
+                                      <p:cBhvr>
+                                        <p:cTn id="11" dur="1" fill="hold">
+                                          <p:stCondLst>
+                                            <p:cond delay="0"/>
+                                          </p:stCondLst>
+                                        </p:cTn>
+                                        <p:tgtEl>
+                                          <p:spTgt spid="5">
+                                            <p:txEl>
+                                              <p:pRg st="2" end="2"/>
+                                            </p:txEl>
+                                          </p:spTgt>
+                                        </p:tgtEl>
+                                        <p:attrNameLst>
+                                          <p:attrName>style.visibility</p:attrName>
+                                        </p:attrNameLst>
+                                      </p:cBhvr>
+                                      <p:to>
+                                        <p:strVal val="visible"/>
+                                      </p:to>
+                                    </p:set>
+                                    <p:animEffect transition="in" filter="fade">
+                                      <p:cBhvr>
+                                        <p:cTn id="12" dur="500"/>
+                                        <p:tgtEl>
+                                          <p:spTgt spid="5">
+                                            <p:txEl>
+                                              <p:pRg st="2" end="2"/>
+                                            </p:txEl>
+                                          </p:spTgt>
+                                        </p:tgtEl>
+                                      </p:cBhvr>
+                                    </p:animEffect>
+                                  </p:childTnLst>
+                                </p:cTn>
+                              </p:par>
+                            </p:childTnLst>
+                          </p:cTn>
+                        </p:par>
+                      </p:childTnLst>
+                    </p:cTn>
+                  </p:par>
+                  <p:par>
+                    <p:cTn id="13" fill="hold">
+                      <p:stCondLst>
+                        <p:cond delay="indefinite"/>
+                      </p:stCondLst>
+                      <p:childTnLst>
+                        <p:par>
+                          <p:cTn id="14" fill="hold">
+                            <p:stCondLst>
+                              <p:cond delay="0"/>
+                            </p:stCondLst>
+                            <p:childTnLst>
+                              <p:par>
+                                <p:cTn id="15" presetID="10" presetClass="entr" presetSubtype="0" fill="hold" nodeType="clickEffect">
+                                  <p:stCondLst>
+                                    <p:cond delay="0"/>
+                                  </p:stCondLst>
+                                  <p:childTnLst>
+                                    <p:set>
+                                      <p:cBhvr>
+                                        <p:cTn id="16" dur="1" fill="hold">
+                                          <p:stCondLst>
+                                            <p:cond delay="0"/>
+                                          </p:stCondLst>
+                                        </p:cTn>
+                                        <p:tgtEl>
+                                          <p:spTgt spid="5">
+                                            <p:txEl>
+                                              <p:pRg st="3" end="3"/>
+                                            </p:txEl>
+                                          </p:spTgt>
+                                        </p:tgtEl>
+                                        <p:attrNameLst>
+                                          <p:attrName>style.visibility</p:attrName>
+                                        </p:attrNameLst>
+                                      </p:cBhvr>
+                                      <p:to>
+                                        <p:strVal val="visible"/>
+                                      </p:to>
+                                    </p:set>
+                                    <p:animEffect transition="in" filter="fade">
+                                      <p:cBhvr>
+                                        <p:cTn id="17" dur="500"/>
+                                        <p:tgtEl>
+                                          <p:spTgt spid="5">
+                                            <p:txEl>
+                                              <p:pRg st="3" end="3"/>
+                                            </p:txEl>
+                                          </p:spTgt>
+                                        </p:tgtEl>
+                                      </p:cBhvr>
+                                    </p:animEffect>
+                                  </p:childTnLst>
+                                </p:cTn>
+                              </p:par>
+                            </p:childTnLst>
+                          </p:cTn>
+                        </p:par>
+                      </p:childTnLst>
+                    </p:cTn>
+                  </p:par>
+                  <p:par>
+                    <p:cTn id="18" fill="hold">
+                      <p:stCondLst>
+                        <p:cond delay="indefinite"/>
+                      </p:stCondLst>
+                      <p:childTnLst>
+                        <p:par>
+                          <p:cTn id="19" fill="hold">
+                            <p:stCondLst>
+                              <p:cond delay="0"/>
+                            </p:stCondLst>
+                            <p:childTnLst>
+                              <p:par>
+                                <p:cTn id="20" presetID="10" presetClass="entr" presetSubtype="0" fill="hold" nodeType="clickEffect">
+                                  <p:stCondLst>
+                                    <p:cond delay="0"/>
+                                  </p:stCondLst>
+                                  <p:childTnLst>
+                                    <p:set>
+                                      <p:cBhvr>
+                                        <p:cTn id="21" dur="1" fill="hold">
+                                          <p:stCondLst>
+                                            <p:cond delay="0"/>
+                                          </p:stCondLst>
+                                        </p:cTn>
+                                        <p:tgtEl>
+                                          <p:spTgt spid="5">
+                                            <p:txEl>
+                                              <p:pRg st="4" end="4"/>
+                                            </p:txEl>
+                                          </p:spTgt>
+                                        </p:tgtEl>
+                                        <p:attrNameLst>
+                                          <p:attrName>style.visibility</p:attrName>
+                                        </p:attrNameLst>
+                                      </p:cBhvr>
+                                      <p:to>
+                                        <p:strVal val="visible"/>
+                                      </p:to>
+                                    </p:set>
+                                    <p:animEffect transition="in" filter="fade">
+                                      <p:cBhvr>
+                                        <p:cTn id="22" dur="500"/>
+                                        <p:tgtEl>
+                                          <p:spTgt spid="5">
+                                            <p:txEl>
+                                              <p:pRg st="4" end="4"/>
+                                            </p:txEl>
+                                          </p:spTgt>
+                                        </p:tgtEl>
+                                      </p:cBhvr>
+                                    </p:animEffect>
+                                  </p:childTnLst>
+                                </p:cTn>
+                              </p:par>
+                            </p:childTnLst>
+                          </p:cTn>
+                        </p:par>
+                      </p:childTnLst>
+                    </p:cTn>
+                  </p:par>
+                  <p:par>
+                    <p:cTn id="23" fill="hold">
+                      <p:stCondLst>
+                        <p:cond delay="indefinite"/>
+                      </p:stCondLst>
+                      <p:childTnLst>
+                        <p:par>
+                          <p:cTn id="24" fill="hold">
+                            <p:stCondLst>
+                              <p:cond delay="0"/>
+                            </p:stCondLst>
+                            <p:childTnLst>
+                              <p:par>
+                                <p:cTn id="25" presetID="10" presetClass="entr" presetSubtype="0" fill="hold" nodeType="clickEffect">
+                                  <p:stCondLst>
+                                    <p:cond delay="0"/>
+                                  </p:stCondLst>
+                                  <p:childTnLst>
+                                    <p:set>
+                                      <p:cBhvr>
+                                        <p:cTn id="26" dur="1" fill="hold">
+                                          <p:stCondLst>
+                                            <p:cond delay="0"/>
+                                          </p:stCondLst>
+                                        </p:cTn>
+                                        <p:tgtEl>
+                                          <p:spTgt spid="5">
+                                            <p:txEl>
+                                              <p:pRg st="5" end="5"/>
+                                            </p:txEl>
+                                          </p:spTgt>
+                                        </p:tgtEl>
+                                        <p:attrNameLst>
+                                          <p:attrName>style.visibility</p:attrName>
+                                        </p:attrNameLst>
+                                      </p:cBhvr>
+                                      <p:to>
+                                        <p:strVal val="visible"/>
+                                      </p:to>
+                                    </p:set>
+                                    <p:animEffect transition="in" filter="fade">
+                                      <p:cBhvr>
+                                        <p:cTn id="27" dur="500"/>
+                                        <p:tgtEl>
+                                          <p:spTgt spid="5">
+                                            <p:txEl>
+                                              <p:pRg st="5" end="5"/>
+                                            </p:txEl>
+                                          </p:spTgt>
+                                        </p:tgtEl>
+                                      </p:cBhvr>
+                                    </p:animEffect>
+                                  </p:childTnLst>
+                                </p:cTn>
+                              </p:par>
+                            </p:childTnLst>
+                          </p:cTn>
+                        </p:par>
+                      </p:childTnLst>
+                    </p:cTn>
+                  </p:par>
+                  <p:par>
+                    <p:cTn id="28" fill="hold">
+                      <p:stCondLst>
+                        <p:cond delay="indefinite"/>
+                      </p:stCondLst>
+                      <p:childTnLst>
+                        <p:par>
+                          <p:cTn id="29" fill="hold">
+                            <p:stCondLst>
+                              <p:cond delay="0"/>
+                            </p:stCondLst>
+                            <p:childTnLst>
+                              <p:par>
+                                <p:cTn id="30" presetID="10" presetClass="entr" presetSubtype="0" fill="hold" nodeType="clickEffect">
+                                  <p:stCondLst>
+                                    <p:cond delay="0"/>
+                                  </p:stCondLst>
+                                  <p:childTnLst>
+                                    <p:set>
+                                      <p:cBhvr>
+                                        <p:cTn id="31" dur="1" fill="hold">
+                                          <p:stCondLst>
+                                            <p:cond delay="0"/>
+                                          </p:stCondLst>
+                                        </p:cTn>
+                                        <p:tgtEl>
+                                          <p:spTgt spid="5">
+                                            <p:txEl>
+                                              <p:pRg st="6" end="6"/>
+                                            </p:txEl>
+                                          </p:spTgt>
+                                        </p:tgtEl>
+                                        <p:attrNameLst>
+                                          <p:attrName>style.visibility</p:attrName>
+                                        </p:attrNameLst>
+                                      </p:cBhvr>
+                                      <p:to>
+                                        <p:strVal val="visible"/>
+                                      </p:to>
+                                    </p:set>
+                                    <p:animEffect transition="in" filter="fade">
+                                      <p:cBhvr>
+                                        <p:cTn id="32" dur="500"/>
+                                        <p:tgtEl>
+                                          <p:spTgt spid="5">
+                                            <p:txEl>
+                                              <p:pRg st="6" end="6"/>
+                                            </p:txEl>
+                                          </p:spTgt>
+                                        </p:tgtEl>
+                                      </p:cBhvr>
+                                    </p:animEffect>
+                                  </p:childTnLst>
+                                </p:cTn>
+                              </p:par>
+                            </p:childTnLst>
+                          </p:cTn>
+                        </p:par>
+                      </p:childTnLst>
+                    </p:cTn>
+                  </p:par>
+                  <p:par>
+                    <p:cTn id="33" fill="hold">
+                      <p:stCondLst>
+                        <p:cond delay="indefinite"/>
+                      </p:stCondLst>
+                      <p:childTnLst>
+                        <p:par>
+                          <p:cTn id="34" fill="hold">
+                            <p:stCondLst>
+                              <p:cond delay="0"/>
+                            </p:stCondLst>
+                            <p:childTnLst>
+                              <p:par>
+                                <p:cTn id="35" presetID="10" presetClass="entr" presetSubtype="0" fill="hold" nodeType="clickEffect">
+                                  <p:stCondLst>
+                                    <p:cond delay="0"/>
+                                  </p:stCondLst>
+                                  <p:childTnLst>
+                                    <p:set>
+                                      <p:cBhvr>
+                                        <p:cTn id="36" dur="1" fill="hold">
+                                          <p:stCondLst>
+                                            <p:cond delay="0"/>
+                                          </p:stCondLst>
+                                        </p:cTn>
+                                        <p:tgtEl>
+                                          <p:spTgt spid="5">
+                                            <p:txEl>
+                                              <p:pRg st="7" end="7"/>
+                                            </p:txEl>
+                                          </p:spTgt>
+                                        </p:tgtEl>
+                                        <p:attrNameLst>
+                                          <p:attrName>style.visibility</p:attrName>
+                                        </p:attrNameLst>
+                                      </p:cBhvr>
+                                      <p:to>
+                                        <p:strVal val="visible"/>
+                                      </p:to>
+                                    </p:set>
+                                    <p:animEffect transition="in" filter="fade">
+                                      <p:cBhvr>
+                                        <p:cTn id="37" dur="500"/>
+                                        <p:tgtEl>
+                                          <p:spTgt spid="5">
+                                            <p:txEl>
+                                              <p:pRg st="7" end="7"/>
+                                            </p:txEl>
+                                          </p:spTgt>
+                                        </p:tgtEl>
+                                      </p:cBhvr>
+                                    </p:animEffect>
+                                  </p:childTnLst>
+                                </p:cTn>
+                              </p:par>
+                            </p:childTnLst>
+                          </p:cTn>
+                        </p:par>
+                      </p:childTnLst>
+                    </p:cTn>
+                  </p:par>
+                </p:childTnLst>
+              </p:cTn>
+              <p:prevCondLst>
+                <p:cond evt="onPrev" delay="0">
+                  <p:tgtEl>
+                    <p:sldTgt/>
+                  </p:tgtEl>
+                </p:cond>
+              </p:prevCondLst>
+              <p:nextCondLst>
+                <p:cond evt="onNext" delay="0">
+                  <p:tgtEl>
+                    <p:sldTgt/>
+                  </p:tgtEl>
+                </p:cond>
+              </p:nextCondLst>
+            </p:seq>
+          </p:childTnLst>
+        </p:cTn>
       </p:par>
     </p:tnLst>
   </p:timing>
@@ -10671,8 +11148,8 @@
         </p:nvSpPr>
         <p:spPr>
           <a:xfrm>
-            <a:off x="3131840" y="2707077"/>
-            <a:ext cx="2952328" cy="369332"/>
+            <a:off x="2915816" y="2707077"/>
+            <a:ext cx="3456384" cy="584775"/>
           </a:xfrm>
           <a:prstGeom prst="rect">
             <a:avLst/>
@@ -10686,15 +11163,60 @@
           <a:p>
             <a:pPr algn="ctr"/>
             <a:r>
-              <a:rPr lang="en-US" u="sng" dirty="0" smtClean="0">
+              <a:rPr lang="en-US" sz="1600" u="sng" dirty="0" smtClean="0">
                 <a:solidFill>
                   <a:schemeClr val="tx2">
                     <a:lumMod val="60000"/>
                     <a:lumOff val="40000"/>
                   </a:schemeClr>
                 </a:solidFill>
+                <a:latin typeface="Verdana" panose="020B0604030504040204" pitchFamily="34" charset="0"/>
+                <a:ea typeface="Verdana" panose="020B0604030504040204" pitchFamily="34" charset="0"/>
+                <a:cs typeface="Verdana" panose="020B0604030504040204" pitchFamily="34" charset="0"/>
+                <a:hlinkClick r:id="rId2"/>
               </a:rPr>
               <a:t>alexandr.vedmed@gmail.com</a:t>
+            </a:r>
+            <a:r>
+              <a:rPr lang="en-US" sz="1600" u="sng" dirty="0" smtClean="0">
+                <a:solidFill>
+                  <a:schemeClr val="tx2">
+                    <a:lumMod val="60000"/>
+                    <a:lumOff val="40000"/>
+                  </a:schemeClr>
+                </a:solidFill>
+                <a:latin typeface="Verdana" panose="020B0604030504040204" pitchFamily="34" charset="0"/>
+                <a:ea typeface="Verdana" panose="020B0604030504040204" pitchFamily="34" charset="0"/>
+                <a:cs typeface="Verdana" panose="020B0604030504040204" pitchFamily="34" charset="0"/>
+              </a:rPr>
+              <a:t/>
+            </a:r>
+            <a:br>
+              <a:rPr lang="en-US" sz="1600" u="sng" dirty="0" smtClean="0">
+                <a:solidFill>
+                  <a:schemeClr val="tx2">
+                    <a:lumMod val="60000"/>
+                    <a:lumOff val="40000"/>
+                  </a:schemeClr>
+                </a:solidFill>
+                <a:latin typeface="Verdana" panose="020B0604030504040204" pitchFamily="34" charset="0"/>
+                <a:ea typeface="Verdana" panose="020B0604030504040204" pitchFamily="34" charset="0"/>
+                <a:cs typeface="Verdana" panose="020B0604030504040204" pitchFamily="34" charset="0"/>
+              </a:rPr>
+            </a:br>
+            <a:r>
+              <a:rPr lang="en-US" sz="1600" u="sng" dirty="0" smtClean="0">
+                <a:solidFill>
+                  <a:schemeClr val="tx2">
+                    <a:lumMod val="60000"/>
+                    <a:lumOff val="40000"/>
+                  </a:schemeClr>
+                </a:solidFill>
+                <a:latin typeface="Verdana" panose="020B0604030504040204" pitchFamily="34" charset="0"/>
+                <a:ea typeface="Verdana" panose="020B0604030504040204" pitchFamily="34" charset="0"/>
+                <a:cs typeface="Verdana" panose="020B0604030504040204" pitchFamily="34" charset="0"/>
+              </a:rPr>
+              <a:t>097-448-7342</a:t>
             </a:r>
             <a:endParaRPr lang="en-US" u="sng" dirty="0">
               <a:solidFill>
@@ -10703,6 +11225,9 @@
                   <a:lumOff val="40000"/>
                 </a:schemeClr>
               </a:solidFill>
+              <a:latin typeface="Verdana" panose="020B0604030504040204" pitchFamily="34" charset="0"/>
+              <a:ea typeface="Verdana" panose="020B0604030504040204" pitchFamily="34" charset="0"/>
+              <a:cs typeface="Verdana" panose="020B0604030504040204" pitchFamily="34" charset="0"/>
             </a:endParaRPr>
           </a:p>
         </p:txBody>
@@ -10716,7 +11241,7 @@
         <p:spPr>
           <a:xfrm>
             <a:off x="2195736" y="3478601"/>
-            <a:ext cx="4752528" cy="1323439"/>
+            <a:ext cx="4752528" cy="1015663"/>
           </a:xfrm>
           <a:prstGeom prst="rect">
             <a:avLst/>
@@ -10738,25 +11263,19 @@
             <a:pPr algn="ctr"/>
             <a:r>
               <a:rPr lang="en-US" sz="2000" i="1" dirty="0" smtClean="0"/>
-              <a:t>ISD,</a:t>
-            </a:r>
+              <a:t>Sitecore Ukraine</a:t>
+            </a:r>
+            <a:r>
+              <a:rPr lang="en-US" sz="2000" i="1" dirty="0" smtClean="0"/>
+              <a:t>,</a:t>
+            </a:r>
+            <a:endParaRPr lang="en-US" sz="2000" i="1" dirty="0" smtClean="0"/>
           </a:p>
           <a:p>
             <a:pPr algn="ctr"/>
             <a:r>
-              <a:rPr lang="en-US" sz="2000" i="1" dirty="0" smtClean="0"/>
-              <a:t>HR department,</a:t>
-            </a:r>
-          </a:p>
-          <a:p>
-            <a:pPr algn="ctr"/>
-            <a:r>
-              <a:rPr lang="en-US" sz="2000" i="1" dirty="0" smtClean="0"/>
-              <a:t>Education </a:t>
-            </a:r>
-            <a:r>
-              <a:rPr lang="en-US" sz="2000" i="1" dirty="0" smtClean="0"/>
-              <a:t>team manager</a:t>
+              <a:rPr lang="en-US" sz="2000" i="1" dirty="0"/>
+              <a:t>Education &amp; Assessment Coordinator</a:t>
             </a:r>
             <a:endParaRPr lang="en-US" sz="2000" i="1" dirty="0"/>
           </a:p>
@@ -11144,7 +11663,7 @@
         <p:spPr>
           <a:xfrm>
             <a:off x="899592" y="1425059"/>
-            <a:ext cx="6408712" cy="3970318"/>
+            <a:ext cx="6408712" cy="3416320"/>
           </a:xfrm>
           <a:prstGeom prst="rect">
             <a:avLst/>
@@ -11222,7 +11741,25 @@
                 <a:latin typeface="Aharoni" pitchFamily="2" charset="-79"/>
                 <a:cs typeface="Aharoni" pitchFamily="2" charset="-79"/>
               </a:rPr>
-              <a:t>Posses</a:t>
+              <a:t>Organized</a:t>
+            </a:r>
+            <a:endParaRPr lang="en-US" dirty="0" smtClean="0">
+              <a:latin typeface="Aharoni" pitchFamily="2" charset="-79"/>
+              <a:cs typeface="Aharoni" pitchFamily="2" charset="-79"/>
+            </a:endParaRPr>
+          </a:p>
+          <a:p>
+            <a:pPr lvl="0">
+              <a:lnSpc>
+                <a:spcPct val="200000"/>
+              </a:lnSpc>
+            </a:pPr>
+            <a:r>
+              <a:rPr lang="en-US" dirty="0" smtClean="0">
+                <a:latin typeface="Aharoni" pitchFamily="2" charset="-79"/>
+                <a:cs typeface="Aharoni" pitchFamily="2" charset="-79"/>
+              </a:rPr>
+              <a:t>Defect</a:t>
             </a:r>
             <a:r>
               <a:rPr lang="en-US" dirty="0">
@@ -11236,95 +11773,7 @@
                 <a:latin typeface="Aharoni" pitchFamily="2" charset="-79"/>
                 <a:cs typeface="Aharoni" pitchFamily="2" charset="-79"/>
               </a:rPr>
-              <a:t> (</a:t>
-            </a:r>
-            <a:r>
-              <a:rPr lang="ru-RU" dirty="0" smtClean="0">
-                <a:latin typeface="Aharoni" pitchFamily="2" charset="-79"/>
-                <a:cs typeface="Aharoni" pitchFamily="2" charset="-79"/>
-              </a:rPr>
-              <a:t>обладать</a:t>
-            </a:r>
-            <a:r>
-              <a:rPr lang="en-US" dirty="0" smtClean="0">
-                <a:latin typeface="Aharoni" pitchFamily="2" charset="-79"/>
-                <a:cs typeface="Aharoni" pitchFamily="2" charset="-79"/>
-              </a:rPr>
-              <a:t>) people </a:t>
-            </a:r>
-            <a:r>
-              <a:rPr lang="en-US" dirty="0">
-                <a:latin typeface="Aharoni" pitchFamily="2" charset="-79"/>
-                <a:cs typeface="Aharoni" pitchFamily="2" charset="-79"/>
-              </a:rPr>
-              <a:t>skills and </a:t>
-            </a:r>
-            <a:r>
-              <a:rPr lang="en-US" dirty="0" smtClean="0">
-                <a:latin typeface="Aharoni" pitchFamily="2" charset="-79"/>
-                <a:cs typeface="Aharoni" pitchFamily="2" charset="-79"/>
-              </a:rPr>
-              <a:t>tenacity</a:t>
-            </a:r>
-            <a:r>
-              <a:rPr lang="ru-RU" dirty="0" smtClean="0">
-                <a:latin typeface="Aharoni" pitchFamily="2" charset="-79"/>
-                <a:cs typeface="Aharoni" pitchFamily="2" charset="-79"/>
-              </a:rPr>
-              <a:t> (упорство)</a:t>
-            </a:r>
-            <a:endParaRPr lang="en-US" dirty="0" smtClean="0">
-              <a:latin typeface="Aharoni" pitchFamily="2" charset="-79"/>
-              <a:cs typeface="Aharoni" pitchFamily="2" charset="-79"/>
-            </a:endParaRPr>
-          </a:p>
-          <a:p>
-            <a:pPr lvl="0">
-              <a:lnSpc>
-                <a:spcPct val="200000"/>
-              </a:lnSpc>
-            </a:pPr>
-            <a:r>
-              <a:rPr lang="en-US" dirty="0" smtClean="0">
-                <a:latin typeface="Aharoni" pitchFamily="2" charset="-79"/>
-                <a:cs typeface="Aharoni" pitchFamily="2" charset="-79"/>
-              </a:rPr>
-              <a:t>Organized</a:t>
-            </a:r>
-          </a:p>
-          <a:p>
-            <a:pPr lvl="0">
-              <a:lnSpc>
-                <a:spcPct val="200000"/>
-              </a:lnSpc>
-            </a:pPr>
-            <a:r>
-              <a:rPr lang="en-US" dirty="0" smtClean="0">
-                <a:latin typeface="Aharoni" pitchFamily="2" charset="-79"/>
-                <a:cs typeface="Aharoni" pitchFamily="2" charset="-79"/>
-              </a:rPr>
-              <a:t>Defect</a:t>
-            </a:r>
-            <a:r>
-              <a:rPr lang="en-US" dirty="0">
-                <a:latin typeface="Aharoni" pitchFamily="2" charset="-79"/>
-                <a:cs typeface="Aharoni" pitchFamily="2" charset="-79"/>
-              </a:rPr>
-              <a:t>s</a:t>
-            </a:r>
-            <a:r>
-              <a:rPr lang="en-US" dirty="0" smtClean="0">
-                <a:latin typeface="Aharoni" pitchFamily="2" charset="-79"/>
-                <a:cs typeface="Aharoni" pitchFamily="2" charset="-79"/>
-              </a:rPr>
-              <a:t> </a:t>
-            </a:r>
-            <a:r>
-              <a:rPr lang="en-US" dirty="0" smtClean="0">
-                <a:latin typeface="Aharoni" pitchFamily="2" charset="-79"/>
-                <a:cs typeface="Aharoni" pitchFamily="2" charset="-79"/>
-              </a:rPr>
-              <a:t>are valuable</a:t>
+              <a:t> are valuable</a:t>
             </a:r>
             <a:endParaRPr lang="en-US" dirty="0">
               <a:latin typeface="Aharoni" pitchFamily="2" charset="-79"/>

--- a/0.Introduction_part1/Introduction.pptx
+++ b/0.Introduction_part1/Introduction.pptx
@@ -5,7 +5,7 @@
     <p:sldMasterId id="2147483648" r:id="rId1"/>
   </p:sldMasterIdLst>
   <p:notesMasterIdLst>
-    <p:notesMasterId r:id="rId23"/>
+    <p:notesMasterId r:id="rId22"/>
   </p:notesMasterIdLst>
   <p:sldIdLst>
     <p:sldId id="280" r:id="rId2"/>
@@ -24,11 +24,10 @@
     <p:sldId id="274" r:id="rId15"/>
     <p:sldId id="275" r:id="rId16"/>
     <p:sldId id="276" r:id="rId17"/>
-    <p:sldId id="277" r:id="rId18"/>
-    <p:sldId id="299" r:id="rId19"/>
-    <p:sldId id="282" r:id="rId20"/>
-    <p:sldId id="298" r:id="rId21"/>
-    <p:sldId id="286" r:id="rId22"/>
+    <p:sldId id="299" r:id="rId18"/>
+    <p:sldId id="282" r:id="rId19"/>
+    <p:sldId id="298" r:id="rId20"/>
+    <p:sldId id="286" r:id="rId21"/>
   </p:sldIdLst>
   <p:sldSz cx="9144000" cy="6858000" type="screen4x3"/>
   <p:notesSz cx="6858000" cy="9144000"/>
@@ -129,7 +128,7 @@
   </p:defaultTextStyle>
   <p:extLst>
     <p:ext uri="{EFAFB233-063F-42B5-8137-9DF3F51BA10A}">
-      <p15:sldGuideLst xmlns:p15="http://schemas.microsoft.com/office/powerpoint/2012/main" xmlns="">
+      <p15:sldGuideLst xmlns="" xmlns:p15="http://schemas.microsoft.com/office/powerpoint/2012/main">
         <p15:guide id="1" orient="horz" pos="2160">
           <p15:clr>
             <a:srgbClr val="A4A3A4"/>
@@ -228,7 +227,7 @@
           <a:p>
             <a:fld id="{7FCDCAFE-ED6D-40DE-BB2A-6C2FAE0E1B23}" type="datetimeFigureOut">
               <a:rPr lang="en-US" smtClean="0"/>
-              <a:t>11/25/2014</a:t>
+              <a:t>11/26/2014</a:t>
             </a:fld>
             <a:endParaRPr lang="en-US"/>
           </a:p>
@@ -3044,7 +3043,7 @@
           <a:p>
             <a:fld id="{D75B0C5A-EE92-4E92-8F5B-10699705BBE2}" type="slidenum">
               <a:rPr lang="en-US" smtClean="0"/>
-              <a:t>18</a:t>
+              <a:t>17</a:t>
             </a:fld>
             <a:endParaRPr lang="en-US"/>
           </a:p>
@@ -3245,7 +3244,7 @@
             <a:fld id="{1D8BD707-D9CF-40AE-B4C6-C98DA3205C09}" type="datetimeFigureOut">
               <a:rPr lang="en-US" smtClean="0"/>
               <a:pPr/>
-              <a:t>11/25/2014</a:t>
+              <a:t>11/26/2014</a:t>
             </a:fld>
             <a:endParaRPr lang="en-US"/>
           </a:p>
@@ -3412,7 +3411,7 @@
             <a:fld id="{1D8BD707-D9CF-40AE-B4C6-C98DA3205C09}" type="datetimeFigureOut">
               <a:rPr lang="en-US" smtClean="0"/>
               <a:pPr/>
-              <a:t>11/25/2014</a:t>
+              <a:t>11/26/2014</a:t>
             </a:fld>
             <a:endParaRPr lang="en-US"/>
           </a:p>
@@ -3589,7 +3588,7 @@
             <a:fld id="{1D8BD707-D9CF-40AE-B4C6-C98DA3205C09}" type="datetimeFigureOut">
               <a:rPr lang="en-US" smtClean="0"/>
               <a:pPr/>
-              <a:t>11/25/2014</a:t>
+              <a:t>11/26/2014</a:t>
             </a:fld>
             <a:endParaRPr lang="en-US"/>
           </a:p>
@@ -3756,7 +3755,7 @@
             <a:fld id="{1D8BD707-D9CF-40AE-B4C6-C98DA3205C09}" type="datetimeFigureOut">
               <a:rPr lang="en-US" smtClean="0"/>
               <a:pPr/>
-              <a:t>11/25/2014</a:t>
+              <a:t>11/26/2014</a:t>
             </a:fld>
             <a:endParaRPr lang="en-US"/>
           </a:p>
@@ -3999,7 +3998,7 @@
             <a:fld id="{1D8BD707-D9CF-40AE-B4C6-C98DA3205C09}" type="datetimeFigureOut">
               <a:rPr lang="en-US" smtClean="0"/>
               <a:pPr/>
-              <a:t>11/25/2014</a:t>
+              <a:t>11/26/2014</a:t>
             </a:fld>
             <a:endParaRPr lang="en-US"/>
           </a:p>
@@ -4284,7 +4283,7 @@
             <a:fld id="{1D8BD707-D9CF-40AE-B4C6-C98DA3205C09}" type="datetimeFigureOut">
               <a:rPr lang="en-US" smtClean="0"/>
               <a:pPr/>
-              <a:t>11/25/2014</a:t>
+              <a:t>11/26/2014</a:t>
             </a:fld>
             <a:endParaRPr lang="en-US"/>
           </a:p>
@@ -4703,7 +4702,7 @@
             <a:fld id="{1D8BD707-D9CF-40AE-B4C6-C98DA3205C09}" type="datetimeFigureOut">
               <a:rPr lang="en-US" smtClean="0"/>
               <a:pPr/>
-              <a:t>11/25/2014</a:t>
+              <a:t>11/26/2014</a:t>
             </a:fld>
             <a:endParaRPr lang="en-US"/>
           </a:p>
@@ -4818,7 +4817,7 @@
             <a:fld id="{1D8BD707-D9CF-40AE-B4C6-C98DA3205C09}" type="datetimeFigureOut">
               <a:rPr lang="en-US" smtClean="0"/>
               <a:pPr/>
-              <a:t>11/25/2014</a:t>
+              <a:t>11/26/2014</a:t>
             </a:fld>
             <a:endParaRPr lang="en-US"/>
           </a:p>
@@ -4910,7 +4909,7 @@
             <a:fld id="{1D8BD707-D9CF-40AE-B4C6-C98DA3205C09}" type="datetimeFigureOut">
               <a:rPr lang="en-US" smtClean="0"/>
               <a:pPr/>
-              <a:t>11/25/2014</a:t>
+              <a:t>11/26/2014</a:t>
             </a:fld>
             <a:endParaRPr lang="en-US"/>
           </a:p>
@@ -5184,7 +5183,7 @@
             <a:fld id="{1D8BD707-D9CF-40AE-B4C6-C98DA3205C09}" type="datetimeFigureOut">
               <a:rPr lang="en-US" smtClean="0"/>
               <a:pPr/>
-              <a:t>11/25/2014</a:t>
+              <a:t>11/26/2014</a:t>
             </a:fld>
             <a:endParaRPr lang="en-US"/>
           </a:p>
@@ -5434,7 +5433,7 @@
             <a:fld id="{1D8BD707-D9CF-40AE-B4C6-C98DA3205C09}" type="datetimeFigureOut">
               <a:rPr lang="en-US" smtClean="0"/>
               <a:pPr/>
-              <a:t>11/25/2014</a:t>
+              <a:t>11/26/2014</a:t>
             </a:fld>
             <a:endParaRPr lang="en-US"/>
           </a:p>
@@ -5653,7 +5652,7 @@
             <a:fld id="{1D8BD707-D9CF-40AE-B4C6-C98DA3205C09}" type="datetimeFigureOut">
               <a:rPr lang="en-US" smtClean="0"/>
               <a:pPr/>
-              <a:t>11/25/2014</a:t>
+              <a:t>11/26/2014</a:t>
             </a:fld>
             <a:endParaRPr lang="en-US"/>
           </a:p>
@@ -6162,7 +6161,7 @@
 </file>
 
 <file path=ppt/slides/slide10.xml><?xml version="1.0" encoding="utf-8"?>
-<p:sld xmlns:a="http://schemas.openxmlformats.org/drawingml/2006/main" xmlns:r="http://schemas.openxmlformats.org/officeDocument/2006/relationships" xmlns:p="http://schemas.openxmlformats.org/presentationml/2006/main" show="0">
+<p:sld xmlns:a="http://schemas.openxmlformats.org/drawingml/2006/main" xmlns:r="http://schemas.openxmlformats.org/officeDocument/2006/relationships" xmlns:p="http://schemas.openxmlformats.org/presentationml/2006/main">
   <p:cSld>
     <p:spTree>
       <p:nvGrpSpPr>
@@ -6187,7 +6186,7 @@
         <p:spPr>
           <a:xfrm>
             <a:off x="457200" y="533400"/>
-            <a:ext cx="1561133" cy="630942"/>
+            <a:ext cx="5413149" cy="630942"/>
           </a:xfrm>
           <a:prstGeom prst="rect">
             <a:avLst/>
@@ -6216,7 +6215,7 @@
                   </a:outerShdw>
                 </a:effectLst>
               </a:rPr>
-              <a:t>Agenda</a:t>
+              <a:t>Agenda for Introduction part</a:t>
             </a:r>
             <a:endParaRPr lang="en-US" sz="3500" dirty="0">
               <a:solidFill>
@@ -9419,122 +9418,6 @@
 </file>
 
 <file path=ppt/slides/slide17.xml><?xml version="1.0" encoding="utf-8"?>
-<p:sld xmlns:a="http://schemas.openxmlformats.org/drawingml/2006/main" xmlns:r="http://schemas.openxmlformats.org/officeDocument/2006/relationships" xmlns:p="http://schemas.openxmlformats.org/presentationml/2006/main" show="0">
-  <p:cSld>
-    <p:spTree>
-      <p:nvGrpSpPr>
-        <p:cNvPr id="1" name=""/>
-        <p:cNvGrpSpPr/>
-        <p:nvPr/>
-      </p:nvGrpSpPr>
-      <p:grpSpPr>
-        <a:xfrm>
-          <a:off x="0" y="0"/>
-          <a:ext cx="0" cy="0"/>
-          <a:chOff x="0" y="0"/>
-          <a:chExt cx="0" cy="0"/>
-        </a:xfrm>
-      </p:grpSpPr>
-      <p:sp>
-        <p:nvSpPr>
-          <p:cNvPr id="4" name="TextBox 3"/>
-          <p:cNvSpPr txBox="1"/>
-          <p:nvPr/>
-        </p:nvSpPr>
-        <p:spPr>
-          <a:xfrm>
-            <a:off x="457200" y="533400"/>
-            <a:ext cx="2887265" cy="630942"/>
-          </a:xfrm>
-          <a:prstGeom prst="rect">
-            <a:avLst/>
-          </a:prstGeom>
-          <a:noFill/>
-        </p:spPr>
-        <p:txBody>
-          <a:bodyPr wrap="none" rtlCol="0">
-            <a:spAutoFit/>
-          </a:bodyPr>
-          <a:lstStyle/>
-          <a:p>
-            <a:r>
-              <a:rPr lang="en-US" sz="3500" dirty="0">
-                <a:solidFill>
-                  <a:schemeClr val="tx1">
-                    <a:lumMod val="65000"/>
-                    <a:lumOff val="35000"/>
-                  </a:schemeClr>
-                </a:solidFill>
-                <a:effectLst>
-                  <a:outerShdw blurRad="38100" dist="38100" dir="2700000" algn="tl">
-                    <a:srgbClr val="000000">
-                      <a:alpha val="43137"/>
-                    </a:srgbClr>
-                  </a:outerShdw>
-                </a:effectLst>
-              </a:rPr>
-              <a:t>Testing Axioms</a:t>
-            </a:r>
-          </a:p>
-        </p:txBody>
-      </p:sp>
-      <p:sp>
-        <p:nvSpPr>
-          <p:cNvPr id="5" name="Rectangle 4"/>
-          <p:cNvSpPr/>
-          <p:nvPr/>
-        </p:nvSpPr>
-        <p:spPr>
-          <a:xfrm>
-            <a:off x="609600" y="2494240"/>
-            <a:ext cx="7772400" cy="523220"/>
-          </a:xfrm>
-          <a:prstGeom prst="rect">
-            <a:avLst/>
-          </a:prstGeom>
-        </p:spPr>
-        <p:txBody>
-          <a:bodyPr wrap="square">
-            <a:spAutoFit/>
-          </a:bodyPr>
-          <a:lstStyle/>
-          <a:p>
-            <a:r>
-              <a:rPr lang="en-US" sz="2800" b="1" dirty="0"/>
-              <a:t>The More Bugs You Find, the More Bugs There Are</a:t>
-            </a:r>
-          </a:p>
-        </p:txBody>
-      </p:sp>
-    </p:spTree>
-    <p:extLst>
-      <p:ext uri="{BB962C8B-B14F-4D97-AF65-F5344CB8AC3E}">
-        <p14:creationId xmlns:p14="http://schemas.microsoft.com/office/powerpoint/2010/main" val="3095129972"/>
-      </p:ext>
-    </p:extLst>
-  </p:cSld>
-  <p:clrMapOvr>
-    <a:masterClrMapping/>
-  </p:clrMapOvr>
-  <mc:AlternateContent xmlns:mc="http://schemas.openxmlformats.org/markup-compatibility/2006">
-    <mc:Choice xmlns:p14="http://schemas.microsoft.com/office/powerpoint/2010/main" Requires="p14">
-      <p:transition spd="slow" p14:dur="2000"/>
-    </mc:Choice>
-    <mc:Fallback>
-      <p:transition spd="slow"/>
-    </mc:Fallback>
-  </mc:AlternateContent>
-  <p:timing>
-    <p:tnLst>
-      <p:par>
-        <p:cTn id="1" dur="indefinite" restart="never" nodeType="tmRoot"/>
-      </p:par>
-    </p:tnLst>
-  </p:timing>
-</p:sld>
-</file>
-
-<file path=ppt/slides/slide18.xml><?xml version="1.0" encoding="utf-8"?>
 <p:sld xmlns:a="http://schemas.openxmlformats.org/drawingml/2006/main" xmlns:r="http://schemas.openxmlformats.org/officeDocument/2006/relationships" xmlns:p="http://schemas.openxmlformats.org/presentationml/2006/main">
   <p:cSld>
     <p:spTree>
@@ -10159,7 +10042,7 @@
 </p:sld>
 </file>
 
-<file path=ppt/slides/slide19.xml><?xml version="1.0" encoding="utf-8"?>
+<file path=ppt/slides/slide18.xml><?xml version="1.0" encoding="utf-8"?>
 <p:sld xmlns:a="http://schemas.openxmlformats.org/drawingml/2006/main" xmlns:r="http://schemas.openxmlformats.org/officeDocument/2006/relationships" xmlns:p="http://schemas.openxmlformats.org/presentationml/2006/main">
   <p:cSld>
     <p:spTree>
@@ -11046,6 +10929,386 @@
 </p:sld>
 </file>
 
+<file path=ppt/slides/slide19.xml><?xml version="1.0" encoding="utf-8"?>
+<p:sld xmlns:a="http://schemas.openxmlformats.org/drawingml/2006/main" xmlns:r="http://schemas.openxmlformats.org/officeDocument/2006/relationships" xmlns:p="http://schemas.openxmlformats.org/presentationml/2006/main">
+  <p:cSld>
+    <p:spTree>
+      <p:nvGrpSpPr>
+        <p:cNvPr id="1" name=""/>
+        <p:cNvGrpSpPr/>
+        <p:nvPr/>
+      </p:nvGrpSpPr>
+      <p:grpSpPr>
+        <a:xfrm>
+          <a:off x="0" y="0"/>
+          <a:ext cx="0" cy="0"/>
+          <a:chOff x="0" y="0"/>
+          <a:chExt cx="0" cy="0"/>
+        </a:xfrm>
+      </p:grpSpPr>
+      <p:sp>
+        <p:nvSpPr>
+          <p:cNvPr id="4" name="TextBox 3"/>
+          <p:cNvSpPr txBox="1"/>
+          <p:nvPr/>
+        </p:nvSpPr>
+        <p:spPr>
+          <a:xfrm>
+            <a:off x="457200" y="533400"/>
+            <a:ext cx="4946034" cy="630942"/>
+          </a:xfrm>
+          <a:prstGeom prst="rect">
+            <a:avLst/>
+          </a:prstGeom>
+          <a:noFill/>
+        </p:spPr>
+        <p:txBody>
+          <a:bodyPr wrap="none" rtlCol="0">
+            <a:spAutoFit/>
+          </a:bodyPr>
+          <a:lstStyle/>
+          <a:p>
+            <a:r>
+              <a:rPr lang="en-US" sz="3500" dirty="0" smtClean="0">
+                <a:solidFill>
+                  <a:schemeClr val="tx1">
+                    <a:lumMod val="65000"/>
+                    <a:lumOff val="35000"/>
+                  </a:schemeClr>
+                </a:solidFill>
+                <a:effectLst>
+                  <a:outerShdw blurRad="38100" dist="38100" dir="2700000" algn="tl">
+                    <a:srgbClr val="000000">
+                      <a:alpha val="43137"/>
+                    </a:srgbClr>
+                  </a:outerShdw>
+                </a:effectLst>
+              </a:rPr>
+              <a:t>What makes a good tester</a:t>
+            </a:r>
+            <a:endParaRPr lang="en-US" sz="3500" dirty="0">
+              <a:solidFill>
+                <a:schemeClr val="tx1">
+                  <a:lumMod val="65000"/>
+                  <a:lumOff val="35000"/>
+                </a:schemeClr>
+              </a:solidFill>
+              <a:effectLst>
+                <a:outerShdw blurRad="38100" dist="38100" dir="2700000" algn="tl">
+                  <a:srgbClr val="000000">
+                    <a:alpha val="43137"/>
+                  </a:srgbClr>
+                </a:outerShdw>
+              </a:effectLst>
+            </a:endParaRPr>
+          </a:p>
+        </p:txBody>
+      </p:sp>
+      <p:sp>
+        <p:nvSpPr>
+          <p:cNvPr id="2" name="Rectangle 1"/>
+          <p:cNvSpPr/>
+          <p:nvPr/>
+        </p:nvSpPr>
+        <p:spPr>
+          <a:xfrm>
+            <a:off x="899592" y="1425059"/>
+            <a:ext cx="6408712" cy="3416320"/>
+          </a:xfrm>
+          <a:prstGeom prst="rect">
+            <a:avLst/>
+          </a:prstGeom>
+        </p:spPr>
+        <p:txBody>
+          <a:bodyPr wrap="square">
+            <a:spAutoFit/>
+          </a:bodyPr>
+          <a:lstStyle/>
+          <a:p>
+            <a:pPr lvl="0">
+              <a:lnSpc>
+                <a:spcPct val="200000"/>
+              </a:lnSpc>
+            </a:pPr>
+            <a:r>
+              <a:rPr lang="en-US" dirty="0">
+                <a:latin typeface="Aharoni" pitchFamily="2" charset="-79"/>
+                <a:cs typeface="Aharoni" pitchFamily="2" charset="-79"/>
+              </a:rPr>
+              <a:t>Know the technology</a:t>
+            </a:r>
+          </a:p>
+          <a:p>
+            <a:pPr lvl="0">
+              <a:lnSpc>
+                <a:spcPct val="200000"/>
+              </a:lnSpc>
+            </a:pPr>
+            <a:r>
+              <a:rPr lang="en-US" dirty="0">
+                <a:latin typeface="Aharoni" pitchFamily="2" charset="-79"/>
+                <a:cs typeface="Aharoni" pitchFamily="2" charset="-79"/>
+              </a:rPr>
+              <a:t>Perfectionist and a realist</a:t>
+            </a:r>
+          </a:p>
+          <a:p>
+            <a:pPr lvl="0">
+              <a:lnSpc>
+                <a:spcPct val="200000"/>
+              </a:lnSpc>
+            </a:pPr>
+            <a:r>
+              <a:rPr lang="en-US" b="1" dirty="0" smtClean="0">
+                <a:latin typeface="Aharoni" pitchFamily="2" charset="-79"/>
+                <a:cs typeface="Aharoni" pitchFamily="2" charset="-79"/>
+              </a:rPr>
+              <a:t>An explorer</a:t>
+            </a:r>
+          </a:p>
+          <a:p>
+            <a:pPr lvl="0">
+              <a:lnSpc>
+                <a:spcPct val="200000"/>
+              </a:lnSpc>
+            </a:pPr>
+            <a:r>
+              <a:rPr lang="en-US" dirty="0" smtClean="0">
+                <a:latin typeface="Aharoni" pitchFamily="2" charset="-79"/>
+                <a:cs typeface="Aharoni" pitchFamily="2" charset="-79"/>
+              </a:rPr>
+              <a:t>Troubleshoot</a:t>
+            </a:r>
+          </a:p>
+          <a:p>
+            <a:pPr lvl="0">
+              <a:lnSpc>
+                <a:spcPct val="200000"/>
+              </a:lnSpc>
+            </a:pPr>
+            <a:r>
+              <a:rPr lang="en-US" dirty="0" smtClean="0">
+                <a:latin typeface="Aharoni" pitchFamily="2" charset="-79"/>
+                <a:cs typeface="Aharoni" pitchFamily="2" charset="-79"/>
+              </a:rPr>
+              <a:t>Organized</a:t>
+            </a:r>
+          </a:p>
+          <a:p>
+            <a:pPr lvl="0">
+              <a:lnSpc>
+                <a:spcPct val="200000"/>
+              </a:lnSpc>
+            </a:pPr>
+            <a:r>
+              <a:rPr lang="en-US" dirty="0" smtClean="0">
+                <a:latin typeface="Aharoni" pitchFamily="2" charset="-79"/>
+                <a:cs typeface="Aharoni" pitchFamily="2" charset="-79"/>
+              </a:rPr>
+              <a:t>Defect</a:t>
+            </a:r>
+            <a:r>
+              <a:rPr lang="en-US" dirty="0">
+                <a:latin typeface="Aharoni" pitchFamily="2" charset="-79"/>
+                <a:cs typeface="Aharoni" pitchFamily="2" charset="-79"/>
+              </a:rPr>
+              <a:t>s</a:t>
+            </a:r>
+            <a:r>
+              <a:rPr lang="en-US" dirty="0" smtClean="0">
+                <a:latin typeface="Aharoni" pitchFamily="2" charset="-79"/>
+                <a:cs typeface="Aharoni" pitchFamily="2" charset="-79"/>
+              </a:rPr>
+              <a:t> are valuable</a:t>
+            </a:r>
+            <a:endParaRPr lang="en-US" dirty="0">
+              <a:latin typeface="Aharoni" pitchFamily="2" charset="-79"/>
+              <a:cs typeface="Aharoni" pitchFamily="2" charset="-79"/>
+            </a:endParaRPr>
+          </a:p>
+        </p:txBody>
+      </p:sp>
+      <p:pic>
+        <p:nvPicPr>
+          <p:cNvPr id="1026" name="Picture 2" descr="C:\Users\jkad\Desktop\Trainings\Testing\pics\Software-Testing-training-tips.jpg"/>
+          <p:cNvPicPr>
+            <a:picLocks noChangeAspect="1" noChangeArrowheads="1"/>
+          </p:cNvPicPr>
+          <p:nvPr/>
+        </p:nvPicPr>
+        <p:blipFill>
+          <a:blip r:embed="rId2">
+            <a:extLst>
+              <a:ext uri="{28A0092B-C50C-407E-A947-70E740481C1C}">
+                <a14:useLocalDpi xmlns:a14="http://schemas.microsoft.com/office/drawing/2010/main" val="0"/>
+              </a:ext>
+            </a:extLst>
+          </a:blip>
+          <a:srcRect/>
+          <a:stretch>
+            <a:fillRect/>
+          </a:stretch>
+        </p:blipFill>
+        <p:spPr bwMode="auto">
+          <a:xfrm>
+            <a:off x="6444208" y="1700808"/>
+            <a:ext cx="1527772" cy="1543050"/>
+          </a:xfrm>
+          <a:prstGeom prst="rect">
+            <a:avLst/>
+          </a:prstGeom>
+          <a:noFill/>
+          <a:extLst>
+            <a:ext uri="{909E8E84-426E-40DD-AFC4-6F175D3DCCD1}">
+              <a14:hiddenFill xmlns:a14="http://schemas.microsoft.com/office/drawing/2010/main">
+                <a:solidFill>
+                  <a:srgbClr val="FFFFFF"/>
+                </a:solidFill>
+              </a14:hiddenFill>
+            </a:ext>
+          </a:extLst>
+        </p:spPr>
+      </p:pic>
+    </p:spTree>
+    <p:extLst>
+      <p:ext uri="{BB962C8B-B14F-4D97-AF65-F5344CB8AC3E}">
+        <p14:creationId xmlns:p14="http://schemas.microsoft.com/office/powerpoint/2010/main" val="695635093"/>
+      </p:ext>
+    </p:extLst>
+  </p:cSld>
+  <p:clrMapOvr>
+    <a:masterClrMapping/>
+  </p:clrMapOvr>
+  <p:timing>
+    <p:tnLst>
+      <p:par>
+        <p:cTn id="1" dur="indefinite" restart="never" nodeType="tmRoot">
+          <p:childTnLst>
+            <p:seq concurrent="1" nextAc="seek">
+              <p:cTn id="2" dur="indefinite" nodeType="mainSeq">
+                <p:childTnLst>
+                  <p:par>
+                    <p:cTn id="3" fill="hold">
+                      <p:stCondLst>
+                        <p:cond delay="indefinite"/>
+                        <p:cond evt="onBegin" delay="0">
+                          <p:tn val="2"/>
+                        </p:cond>
+                      </p:stCondLst>
+                      <p:childTnLst>
+                        <p:par>
+                          <p:cTn id="4" fill="hold">
+                            <p:stCondLst>
+                              <p:cond delay="0"/>
+                            </p:stCondLst>
+                            <p:childTnLst>
+                              <p:par>
+                                <p:cTn id="5" presetID="2" presetClass="entr" presetSubtype="4" fill="hold" grpId="0" nodeType="withEffect">
+                                  <p:stCondLst>
+                                    <p:cond delay="0"/>
+                                  </p:stCondLst>
+                                  <p:childTnLst>
+                                    <p:set>
+                                      <p:cBhvr>
+                                        <p:cTn id="6" dur="1" fill="hold">
+                                          <p:stCondLst>
+                                            <p:cond delay="0"/>
+                                          </p:stCondLst>
+                                        </p:cTn>
+                                        <p:tgtEl>
+                                          <p:spTgt spid="2"/>
+                                        </p:tgtEl>
+                                        <p:attrNameLst>
+                                          <p:attrName>style.visibility</p:attrName>
+                                        </p:attrNameLst>
+                                      </p:cBhvr>
+                                      <p:to>
+                                        <p:strVal val="visible"/>
+                                      </p:to>
+                                    </p:set>
+                                    <p:anim calcmode="lin" valueType="num">
+                                      <p:cBhvr additive="base">
+                                        <p:cTn id="7" dur="500" fill="hold"/>
+                                        <p:tgtEl>
+                                          <p:spTgt spid="2"/>
+                                        </p:tgtEl>
+                                        <p:attrNameLst>
+                                          <p:attrName>ppt_x</p:attrName>
+                                        </p:attrNameLst>
+                                      </p:cBhvr>
+                                      <p:tavLst>
+                                        <p:tav tm="0">
+                                          <p:val>
+                                            <p:strVal val="#ppt_x"/>
+                                          </p:val>
+                                        </p:tav>
+                                        <p:tav tm="100000">
+                                          <p:val>
+                                            <p:strVal val="#ppt_x"/>
+                                          </p:val>
+                                        </p:tav>
+                                      </p:tavLst>
+                                    </p:anim>
+                                    <p:anim calcmode="lin" valueType="num">
+                                      <p:cBhvr additive="base">
+                                        <p:cTn id="8" dur="500" fill="hold"/>
+                                        <p:tgtEl>
+                                          <p:spTgt spid="2"/>
+                                        </p:tgtEl>
+                                        <p:attrNameLst>
+                                          <p:attrName>ppt_y</p:attrName>
+                                        </p:attrNameLst>
+                                      </p:cBhvr>
+                                      <p:tavLst>
+                                        <p:tav tm="0">
+                                          <p:val>
+                                            <p:strVal val="1+#ppt_h/2"/>
+                                          </p:val>
+                                        </p:tav>
+                                        <p:tav tm="100000">
+                                          <p:val>
+                                            <p:strVal val="#ppt_y"/>
+                                          </p:val>
+                                        </p:tav>
+                                      </p:tavLst>
+                                    </p:anim>
+                                  </p:childTnLst>
+                                </p:cTn>
+                              </p:par>
+                            </p:childTnLst>
+                          </p:cTn>
+                        </p:par>
+                      </p:childTnLst>
+                    </p:cTn>
+                  </p:par>
+                </p:childTnLst>
+              </p:cTn>
+              <p:prevCondLst>
+                <p:cond evt="onPrev" delay="0">
+                  <p:tgtEl>
+                    <p:sldTgt/>
+                  </p:tgtEl>
+                </p:cond>
+              </p:prevCondLst>
+              <p:nextCondLst>
+                <p:cond evt="onNext" delay="0">
+                  <p:tgtEl>
+                    <p:sldTgt/>
+                  </p:tgtEl>
+                </p:cond>
+              </p:nextCondLst>
+            </p:seq>
+          </p:childTnLst>
+        </p:cTn>
+      </p:par>
+    </p:tnLst>
+    <p:bldLst>
+      <p:bldP spid="2" grpId="0"/>
+    </p:bldLst>
+  </p:timing>
+</p:sld>
+</file>
+
 <file path=ppt/slides/slide2.xml><?xml version="1.0" encoding="utf-8"?>
 <p:sld xmlns:a="http://schemas.openxmlformats.org/drawingml/2006/main" xmlns:r="http://schemas.openxmlformats.org/officeDocument/2006/relationships" xmlns:p="http://schemas.openxmlformats.org/presentationml/2006/main">
   <p:cSld>
@@ -11205,7 +11468,7 @@
               </a:rPr>
             </a:br>
             <a:r>
-              <a:rPr lang="en-US" sz="1600" u="sng" dirty="0" smtClean="0">
+              <a:rPr lang="en-US" sz="1600" dirty="0" smtClean="0">
                 <a:solidFill>
                   <a:schemeClr val="tx2">
                     <a:lumMod val="60000"/>
@@ -11218,7 +11481,7 @@
               </a:rPr>
               <a:t>097-448-7342</a:t>
             </a:r>
-            <a:endParaRPr lang="en-US" u="sng" dirty="0">
+            <a:endParaRPr lang="en-US" dirty="0">
               <a:solidFill>
                 <a:schemeClr val="tx2">
                   <a:lumMod val="60000"/>
@@ -11263,13 +11526,8 @@
             <a:pPr algn="ctr"/>
             <a:r>
               <a:rPr lang="en-US" sz="2000" i="1" dirty="0" smtClean="0"/>
-              <a:t>Sitecore Ukraine</a:t>
-            </a:r>
-            <a:r>
-              <a:rPr lang="en-US" sz="2000" i="1" dirty="0" smtClean="0"/>
-              <a:t>,</a:t>
-            </a:r>
-            <a:endParaRPr lang="en-US" sz="2000" i="1" dirty="0" smtClean="0"/>
+              <a:t>Sitecore Ukraine,</a:t>
+            </a:r>
           </a:p>
           <a:p>
             <a:pPr algn="ctr"/>
@@ -11277,7 +11535,6 @@
               <a:rPr lang="en-US" sz="2000" i="1" dirty="0"/>
               <a:t>Education &amp; Assessment Coordinator</a:t>
             </a:r>
-            <a:endParaRPr lang="en-US" sz="2000" i="1" dirty="0"/>
           </a:p>
         </p:txBody>
       </p:sp>
@@ -11580,390 +11837,6 @@
 </file>
 
 <file path=ppt/slides/slide20.xml><?xml version="1.0" encoding="utf-8"?>
-<p:sld xmlns:a="http://schemas.openxmlformats.org/drawingml/2006/main" xmlns:r="http://schemas.openxmlformats.org/officeDocument/2006/relationships" xmlns:p="http://schemas.openxmlformats.org/presentationml/2006/main">
-  <p:cSld>
-    <p:spTree>
-      <p:nvGrpSpPr>
-        <p:cNvPr id="1" name=""/>
-        <p:cNvGrpSpPr/>
-        <p:nvPr/>
-      </p:nvGrpSpPr>
-      <p:grpSpPr>
-        <a:xfrm>
-          <a:off x="0" y="0"/>
-          <a:ext cx="0" cy="0"/>
-          <a:chOff x="0" y="0"/>
-          <a:chExt cx="0" cy="0"/>
-        </a:xfrm>
-      </p:grpSpPr>
-      <p:sp>
-        <p:nvSpPr>
-          <p:cNvPr id="4" name="TextBox 3"/>
-          <p:cNvSpPr txBox="1"/>
-          <p:nvPr/>
-        </p:nvSpPr>
-        <p:spPr>
-          <a:xfrm>
-            <a:off x="457200" y="533400"/>
-            <a:ext cx="4946034" cy="630942"/>
-          </a:xfrm>
-          <a:prstGeom prst="rect">
-            <a:avLst/>
-          </a:prstGeom>
-          <a:noFill/>
-        </p:spPr>
-        <p:txBody>
-          <a:bodyPr wrap="none" rtlCol="0">
-            <a:spAutoFit/>
-          </a:bodyPr>
-          <a:lstStyle/>
-          <a:p>
-            <a:r>
-              <a:rPr lang="en-US" sz="3500" dirty="0" smtClean="0">
-                <a:solidFill>
-                  <a:schemeClr val="tx1">
-                    <a:lumMod val="65000"/>
-                    <a:lumOff val="35000"/>
-                  </a:schemeClr>
-                </a:solidFill>
-                <a:effectLst>
-                  <a:outerShdw blurRad="38100" dist="38100" dir="2700000" algn="tl">
-                    <a:srgbClr val="000000">
-                      <a:alpha val="43137"/>
-                    </a:srgbClr>
-                  </a:outerShdw>
-                </a:effectLst>
-              </a:rPr>
-              <a:t>What makes a good tester</a:t>
-            </a:r>
-            <a:endParaRPr lang="en-US" sz="3500" dirty="0">
-              <a:solidFill>
-                <a:schemeClr val="tx1">
-                  <a:lumMod val="65000"/>
-                  <a:lumOff val="35000"/>
-                </a:schemeClr>
-              </a:solidFill>
-              <a:effectLst>
-                <a:outerShdw blurRad="38100" dist="38100" dir="2700000" algn="tl">
-                  <a:srgbClr val="000000">
-                    <a:alpha val="43137"/>
-                  </a:srgbClr>
-                </a:outerShdw>
-              </a:effectLst>
-            </a:endParaRPr>
-          </a:p>
-        </p:txBody>
-      </p:sp>
-      <p:sp>
-        <p:nvSpPr>
-          <p:cNvPr id="2" name="Rectangle 1"/>
-          <p:cNvSpPr/>
-          <p:nvPr/>
-        </p:nvSpPr>
-        <p:spPr>
-          <a:xfrm>
-            <a:off x="899592" y="1425059"/>
-            <a:ext cx="6408712" cy="3416320"/>
-          </a:xfrm>
-          <a:prstGeom prst="rect">
-            <a:avLst/>
-          </a:prstGeom>
-        </p:spPr>
-        <p:txBody>
-          <a:bodyPr wrap="square">
-            <a:spAutoFit/>
-          </a:bodyPr>
-          <a:lstStyle/>
-          <a:p>
-            <a:pPr lvl="0">
-              <a:lnSpc>
-                <a:spcPct val="200000"/>
-              </a:lnSpc>
-            </a:pPr>
-            <a:r>
-              <a:rPr lang="en-US" dirty="0">
-                <a:latin typeface="Aharoni" pitchFamily="2" charset="-79"/>
-                <a:cs typeface="Aharoni" pitchFamily="2" charset="-79"/>
-              </a:rPr>
-              <a:t>Know the technology</a:t>
-            </a:r>
-          </a:p>
-          <a:p>
-            <a:pPr lvl="0">
-              <a:lnSpc>
-                <a:spcPct val="200000"/>
-              </a:lnSpc>
-            </a:pPr>
-            <a:r>
-              <a:rPr lang="en-US" dirty="0">
-                <a:latin typeface="Aharoni" pitchFamily="2" charset="-79"/>
-                <a:cs typeface="Aharoni" pitchFamily="2" charset="-79"/>
-              </a:rPr>
-              <a:t>Perfectionist and a realist</a:t>
-            </a:r>
-          </a:p>
-          <a:p>
-            <a:pPr lvl="0">
-              <a:lnSpc>
-                <a:spcPct val="200000"/>
-              </a:lnSpc>
-            </a:pPr>
-            <a:r>
-              <a:rPr lang="en-US" b="1" dirty="0" smtClean="0">
-                <a:latin typeface="Aharoni" pitchFamily="2" charset="-79"/>
-                <a:cs typeface="Aharoni" pitchFamily="2" charset="-79"/>
-              </a:rPr>
-              <a:t>An explorer</a:t>
-            </a:r>
-          </a:p>
-          <a:p>
-            <a:pPr lvl="0">
-              <a:lnSpc>
-                <a:spcPct val="200000"/>
-              </a:lnSpc>
-            </a:pPr>
-            <a:r>
-              <a:rPr lang="en-US" dirty="0" smtClean="0">
-                <a:latin typeface="Aharoni" pitchFamily="2" charset="-79"/>
-                <a:cs typeface="Aharoni" pitchFamily="2" charset="-79"/>
-              </a:rPr>
-              <a:t>Troubleshoot</a:t>
-            </a:r>
-          </a:p>
-          <a:p>
-            <a:pPr lvl="0">
-              <a:lnSpc>
-                <a:spcPct val="200000"/>
-              </a:lnSpc>
-            </a:pPr>
-            <a:r>
-              <a:rPr lang="en-US" dirty="0" smtClean="0">
-                <a:latin typeface="Aharoni" pitchFamily="2" charset="-79"/>
-                <a:cs typeface="Aharoni" pitchFamily="2" charset="-79"/>
-              </a:rPr>
-              <a:t>Organized</a:t>
-            </a:r>
-            <a:endParaRPr lang="en-US" dirty="0" smtClean="0">
-              <a:latin typeface="Aharoni" pitchFamily="2" charset="-79"/>
-              <a:cs typeface="Aharoni" pitchFamily="2" charset="-79"/>
-            </a:endParaRPr>
-          </a:p>
-          <a:p>
-            <a:pPr lvl="0">
-              <a:lnSpc>
-                <a:spcPct val="200000"/>
-              </a:lnSpc>
-            </a:pPr>
-            <a:r>
-              <a:rPr lang="en-US" dirty="0" smtClean="0">
-                <a:latin typeface="Aharoni" pitchFamily="2" charset="-79"/>
-                <a:cs typeface="Aharoni" pitchFamily="2" charset="-79"/>
-              </a:rPr>
-              <a:t>Defect</a:t>
-            </a:r>
-            <a:r>
-              <a:rPr lang="en-US" dirty="0">
-                <a:latin typeface="Aharoni" pitchFamily="2" charset="-79"/>
-                <a:cs typeface="Aharoni" pitchFamily="2" charset="-79"/>
-              </a:rPr>
-              <a:t>s</a:t>
-            </a:r>
-            <a:r>
-              <a:rPr lang="en-US" dirty="0" smtClean="0">
-                <a:latin typeface="Aharoni" pitchFamily="2" charset="-79"/>
-                <a:cs typeface="Aharoni" pitchFamily="2" charset="-79"/>
-              </a:rPr>
-              <a:t> are valuable</a:t>
-            </a:r>
-            <a:endParaRPr lang="en-US" dirty="0">
-              <a:latin typeface="Aharoni" pitchFamily="2" charset="-79"/>
-              <a:cs typeface="Aharoni" pitchFamily="2" charset="-79"/>
-            </a:endParaRPr>
-          </a:p>
-        </p:txBody>
-      </p:sp>
-      <p:pic>
-        <p:nvPicPr>
-          <p:cNvPr id="1026" name="Picture 2" descr="C:\Users\jkad\Desktop\Trainings\Testing\pics\Software-Testing-training-tips.jpg"/>
-          <p:cNvPicPr>
-            <a:picLocks noChangeAspect="1" noChangeArrowheads="1"/>
-          </p:cNvPicPr>
-          <p:nvPr/>
-        </p:nvPicPr>
-        <p:blipFill>
-          <a:blip r:embed="rId2">
-            <a:extLst>
-              <a:ext uri="{28A0092B-C50C-407E-A947-70E740481C1C}">
-                <a14:useLocalDpi xmlns:a14="http://schemas.microsoft.com/office/drawing/2010/main" val="0"/>
-              </a:ext>
-            </a:extLst>
-          </a:blip>
-          <a:srcRect/>
-          <a:stretch>
-            <a:fillRect/>
-          </a:stretch>
-        </p:blipFill>
-        <p:spPr bwMode="auto">
-          <a:xfrm>
-            <a:off x="6444208" y="1700808"/>
-            <a:ext cx="1527772" cy="1543050"/>
-          </a:xfrm>
-          <a:prstGeom prst="rect">
-            <a:avLst/>
-          </a:prstGeom>
-          <a:noFill/>
-          <a:extLst>
-            <a:ext uri="{909E8E84-426E-40DD-AFC4-6F175D3DCCD1}">
-              <a14:hiddenFill xmlns:a14="http://schemas.microsoft.com/office/drawing/2010/main">
-                <a:solidFill>
-                  <a:srgbClr val="FFFFFF"/>
-                </a:solidFill>
-              </a14:hiddenFill>
-            </a:ext>
-          </a:extLst>
-        </p:spPr>
-      </p:pic>
-    </p:spTree>
-    <p:extLst>
-      <p:ext uri="{BB962C8B-B14F-4D97-AF65-F5344CB8AC3E}">
-        <p14:creationId xmlns:p14="http://schemas.microsoft.com/office/powerpoint/2010/main" val="695635093"/>
-      </p:ext>
-    </p:extLst>
-  </p:cSld>
-  <p:clrMapOvr>
-    <a:masterClrMapping/>
-  </p:clrMapOvr>
-  <p:timing>
-    <p:tnLst>
-      <p:par>
-        <p:cTn id="1" dur="indefinite" restart="never" nodeType="tmRoot">
-          <p:childTnLst>
-            <p:seq concurrent="1" nextAc="seek">
-              <p:cTn id="2" dur="indefinite" nodeType="mainSeq">
-                <p:childTnLst>
-                  <p:par>
-                    <p:cTn id="3" fill="hold">
-                      <p:stCondLst>
-                        <p:cond delay="indefinite"/>
-                        <p:cond evt="onBegin" delay="0">
-                          <p:tn val="2"/>
-                        </p:cond>
-                      </p:stCondLst>
-                      <p:childTnLst>
-                        <p:par>
-                          <p:cTn id="4" fill="hold">
-                            <p:stCondLst>
-                              <p:cond delay="0"/>
-                            </p:stCondLst>
-                            <p:childTnLst>
-                              <p:par>
-                                <p:cTn id="5" presetID="2" presetClass="entr" presetSubtype="4" fill="hold" grpId="0" nodeType="withEffect">
-                                  <p:stCondLst>
-                                    <p:cond delay="0"/>
-                                  </p:stCondLst>
-                                  <p:childTnLst>
-                                    <p:set>
-                                      <p:cBhvr>
-                                        <p:cTn id="6" dur="1" fill="hold">
-                                          <p:stCondLst>
-                                            <p:cond delay="0"/>
-                                          </p:stCondLst>
-                                        </p:cTn>
-                                        <p:tgtEl>
-                                          <p:spTgt spid="2"/>
-                                        </p:tgtEl>
-                                        <p:attrNameLst>
-                                          <p:attrName>style.visibility</p:attrName>
-                                        </p:attrNameLst>
-                                      </p:cBhvr>
-                                      <p:to>
-                                        <p:strVal val="visible"/>
-                                      </p:to>
-                                    </p:set>
-                                    <p:anim calcmode="lin" valueType="num">
-                                      <p:cBhvr additive="base">
-                                        <p:cTn id="7" dur="500" fill="hold"/>
-                                        <p:tgtEl>
-                                          <p:spTgt spid="2"/>
-                                        </p:tgtEl>
-                                        <p:attrNameLst>
-                                          <p:attrName>ppt_x</p:attrName>
-                                        </p:attrNameLst>
-                                      </p:cBhvr>
-                                      <p:tavLst>
-                                        <p:tav tm="0">
-                                          <p:val>
-                                            <p:strVal val="#ppt_x"/>
-                                          </p:val>
-                                        </p:tav>
-                                        <p:tav tm="100000">
-                                          <p:val>
-                                            <p:strVal val="#ppt_x"/>
-                                          </p:val>
-                                        </p:tav>
-                                      </p:tavLst>
-                                    </p:anim>
-                                    <p:anim calcmode="lin" valueType="num">
-                                      <p:cBhvr additive="base">
-                                        <p:cTn id="8" dur="500" fill="hold"/>
-                                        <p:tgtEl>
-                                          <p:spTgt spid="2"/>
-                                        </p:tgtEl>
-                                        <p:attrNameLst>
-                                          <p:attrName>ppt_y</p:attrName>
-                                        </p:attrNameLst>
-                                      </p:cBhvr>
-                                      <p:tavLst>
-                                        <p:tav tm="0">
-                                          <p:val>
-                                            <p:strVal val="1+#ppt_h/2"/>
-                                          </p:val>
-                                        </p:tav>
-                                        <p:tav tm="100000">
-                                          <p:val>
-                                            <p:strVal val="#ppt_y"/>
-                                          </p:val>
-                                        </p:tav>
-                                      </p:tavLst>
-                                    </p:anim>
-                                  </p:childTnLst>
-                                </p:cTn>
-                              </p:par>
-                            </p:childTnLst>
-                          </p:cTn>
-                        </p:par>
-                      </p:childTnLst>
-                    </p:cTn>
-                  </p:par>
-                </p:childTnLst>
-              </p:cTn>
-              <p:prevCondLst>
-                <p:cond evt="onPrev" delay="0">
-                  <p:tgtEl>
-                    <p:sldTgt/>
-                  </p:tgtEl>
-                </p:cond>
-              </p:prevCondLst>
-              <p:nextCondLst>
-                <p:cond evt="onNext" delay="0">
-                  <p:tgtEl>
-                    <p:sldTgt/>
-                  </p:tgtEl>
-                </p:cond>
-              </p:nextCondLst>
-            </p:seq>
-          </p:childTnLst>
-        </p:cTn>
-      </p:par>
-    </p:tnLst>
-    <p:bldLst>
-      <p:bldP spid="2" grpId="0"/>
-    </p:bldLst>
-  </p:timing>
-</p:sld>
-</file>
-
-<file path=ppt/slides/slide21.xml><?xml version="1.0" encoding="utf-8"?>
 <p:sld xmlns:a="http://schemas.openxmlformats.org/drawingml/2006/main" xmlns:r="http://schemas.openxmlformats.org/officeDocument/2006/relationships" xmlns:p="http://schemas.openxmlformats.org/presentationml/2006/main">
   <p:cSld>
     <p:spTree>
@@ -12573,26 +12446,33 @@
         </p:nvSpPr>
         <p:spPr>
           <a:xfrm>
-            <a:off x="971600" y="1484784"/>
-            <a:ext cx="4572000" cy="1122743"/>
+            <a:off x="971600" y="1268760"/>
+            <a:ext cx="6696744" cy="4755148"/>
           </a:xfrm>
           <a:prstGeom prst="rect">
             <a:avLst/>
           </a:prstGeom>
         </p:spPr>
         <p:txBody>
-          <a:bodyPr>
+          <a:bodyPr wrap="square">
             <a:spAutoFit/>
           </a:bodyPr>
           <a:lstStyle/>
           <a:p>
             <a:pPr>
               <a:lnSpc>
-                <a:spcPct val="200000"/>
+                <a:spcPct val="150000"/>
               </a:lnSpc>
             </a:pPr>
             <a:r>
-              <a:rPr lang="en-US" u="sng" dirty="0">
+              <a:rPr lang="en-US" sz="2000" dirty="0"/>
+              <a:t>Technical knowledge:</a:t>
+            </a:r>
+            <a:br>
+              <a:rPr lang="en-US" sz="2000" dirty="0"/>
+            </a:br>
+            <a:r>
+              <a:rPr lang="en-US" u="sng" dirty="0" smtClean="0">
                 <a:solidFill>
                   <a:schemeClr val="tx2">
                     <a:lumMod val="60000"/>
@@ -12600,7 +12480,7 @@
                   </a:schemeClr>
                 </a:solidFill>
               </a:rPr>
-              <a:t>software-testing.ru</a:t>
+              <a:t>http://software-testing.ru</a:t>
             </a:r>
             <a:endParaRPr lang="ru-RU" u="sng" dirty="0">
               <a:solidFill>
@@ -12614,7 +12494,7 @@
           <a:p>
             <a:pPr>
               <a:lnSpc>
-                <a:spcPct val="200000"/>
+                <a:spcPct val="150000"/>
               </a:lnSpc>
             </a:pPr>
             <a:r>
@@ -12626,7 +12506,7 @@
                   </a:schemeClr>
                 </a:solidFill>
               </a:rPr>
-              <a:t>habrahabr.ru</a:t>
+              <a:t>http://habrahabr.ru</a:t>
             </a:r>
             <a:r>
               <a:rPr lang="ru-RU" u="sng" dirty="0">
@@ -12640,7 +12520,7 @@
               <a:t>/</a:t>
             </a:r>
             <a:r>
-              <a:rPr lang="en-US" u="sng" dirty="0">
+              <a:rPr lang="en-US" u="sng" dirty="0" smtClean="0">
                 <a:solidFill>
                   <a:schemeClr val="tx2">
                     <a:lumMod val="60000"/>
@@ -12651,47 +12531,14 @@
               <a:t>blogs/testing</a:t>
             </a:r>
           </a:p>
-        </p:txBody>
-      </p:sp>
-      <p:sp>
-        <p:nvSpPr>
-          <p:cNvPr id="8" name="Rectangle 7"/>
-          <p:cNvSpPr/>
-          <p:nvPr/>
-        </p:nvSpPr>
-        <p:spPr>
-          <a:xfrm>
-            <a:off x="971600" y="2782669"/>
-            <a:ext cx="3691973" cy="2308324"/>
-          </a:xfrm>
-          <a:prstGeom prst="rect">
-            <a:avLst/>
-          </a:prstGeom>
-        </p:spPr>
-        <p:txBody>
-          <a:bodyPr wrap="none">
-            <a:spAutoFit/>
-          </a:bodyPr>
-          <a:lstStyle/>
           <a:p>
             <a:pPr>
               <a:lnSpc>
-                <a:spcPct val="200000"/>
+                <a:spcPct val="150000"/>
               </a:lnSpc>
             </a:pPr>
             <a:r>
-              <a:rPr lang="en-US" dirty="0" smtClean="0"/>
-              <a:t>Blogs:</a:t>
-            </a:r>
-          </a:p>
-          <a:p>
-            <a:pPr>
-              <a:lnSpc>
-                <a:spcPct val="200000"/>
-              </a:lnSpc>
-            </a:pPr>
-            <a:r>
-              <a:rPr lang="en-US" u="sng" dirty="0">
+              <a:rPr lang="en-US" u="sng" dirty="0" smtClean="0">
                 <a:solidFill>
                   <a:schemeClr val="tx2">
                     <a:lumMod val="60000"/>
@@ -12699,10 +12546,10 @@
                   </a:schemeClr>
                 </a:solidFill>
               </a:rPr>
-              <a:t>http://</a:t>
-            </a:r>
-            <a:r>
-              <a:rPr lang="en-US" u="sng" dirty="0" smtClean="0">
+              <a:t>http</a:t>
+            </a:r>
+            <a:r>
+              <a:rPr lang="en-US" u="sng" dirty="0">
                 <a:solidFill>
                   <a:schemeClr val="tx2">
                     <a:lumMod val="60000"/>
@@ -12710,21 +12557,13 @@
                   </a:schemeClr>
                 </a:solidFill>
               </a:rPr>
-              <a:t>www.softwaretestinghelp.com</a:t>
-            </a:r>
-            <a:endParaRPr lang="en-US" u="sng" dirty="0">
-              <a:solidFill>
-                <a:schemeClr val="tx2">
-                  <a:lumMod val="60000"/>
-                  <a:lumOff val="40000"/>
-                </a:schemeClr>
-              </a:solidFill>
-            </a:endParaRPr>
+              <a:t>://www.softwaretestinghelp.com</a:t>
+            </a:r>
           </a:p>
           <a:p>
             <a:pPr>
               <a:lnSpc>
-                <a:spcPct val="200000"/>
+                <a:spcPct val="150000"/>
               </a:lnSpc>
             </a:pPr>
             <a:r>
@@ -12736,10 +12575,17 @@
                   </a:schemeClr>
                 </a:solidFill>
               </a:rPr>
-              <a:t>http://</a:t>
-            </a:r>
-            <a:r>
-              <a:rPr lang="en-US" u="sng" dirty="0" smtClean="0">
+              <a:t>http://testitquickly.com</a:t>
+            </a:r>
+          </a:p>
+          <a:p>
+            <a:pPr>
+              <a:lnSpc>
+                <a:spcPct val="150000"/>
+              </a:lnSpc>
+            </a:pPr>
+            <a:r>
+              <a:rPr lang="en-US" u="sng" dirty="0">
                 <a:solidFill>
                   <a:schemeClr val="tx2">
                     <a:lumMod val="60000"/>
@@ -12747,25 +12593,10 @@
                   </a:schemeClr>
                 </a:solidFill>
               </a:rPr>
-              <a:t>testitquickly.com</a:t>
-            </a:r>
-            <a:endParaRPr lang="en-US" u="sng" dirty="0">
-              <a:solidFill>
-                <a:schemeClr val="tx2">
-                  <a:lumMod val="60000"/>
-                  <a:lumOff val="40000"/>
-                </a:schemeClr>
-              </a:solidFill>
-            </a:endParaRPr>
-          </a:p>
-          <a:p>
-            <a:pPr>
-              <a:lnSpc>
-                <a:spcPct val="200000"/>
-              </a:lnSpc>
-            </a:pPr>
-            <a:r>
-              <a:rPr lang="en-US" u="sng" dirty="0" smtClean="0">
+              <a:t>http://qaconsulting.ru</a:t>
+            </a:r>
+            <a:br>
+              <a:rPr lang="en-US" u="sng" dirty="0">
                 <a:solidFill>
                   <a:schemeClr val="tx2">
                     <a:lumMod val="60000"/>
@@ -12773,16 +12604,132 @@
                   </a:schemeClr>
                 </a:solidFill>
               </a:rPr>
-              <a:t>http://qaconsulting.ru</a:t>
-            </a:r>
-            <a:endParaRPr lang="en-US" u="sng" dirty="0">
-              <a:solidFill>
-                <a:schemeClr val="tx2">
-                  <a:lumMod val="60000"/>
-                  <a:lumOff val="40000"/>
-                </a:schemeClr>
-              </a:solidFill>
-            </a:endParaRPr>
+            </a:br>
+            <a:r>
+              <a:rPr lang="en-US" u="sng" dirty="0">
+                <a:solidFill>
+                  <a:schemeClr val="tx2">
+                    <a:lumMod val="60000"/>
+                    <a:lumOff val="40000"/>
+                  </a:schemeClr>
+                </a:solidFill>
+              </a:rPr>
+              <a:t>http</a:t>
+            </a:r>
+            <a:r>
+              <a:rPr lang="en-US" u="sng" dirty="0" smtClean="0">
+                <a:solidFill>
+                  <a:schemeClr val="tx2">
+                    <a:lumMod val="60000"/>
+                    <a:lumOff val="40000"/>
+                  </a:schemeClr>
+                </a:solidFill>
+              </a:rPr>
+              <a:t>://protesting.ru</a:t>
+            </a:r>
+            <a:r>
+              <a:rPr lang="en-US" u="sng" dirty="0">
+                <a:solidFill>
+                  <a:schemeClr val="tx2">
+                    <a:lumMod val="60000"/>
+                    <a:lumOff val="40000"/>
+                  </a:schemeClr>
+                </a:solidFill>
+              </a:rPr>
+              <a:t/>
+            </a:r>
+            <a:br>
+              <a:rPr lang="en-US" u="sng" dirty="0">
+                <a:solidFill>
+                  <a:schemeClr val="tx2">
+                    <a:lumMod val="60000"/>
+                    <a:lumOff val="40000"/>
+                  </a:schemeClr>
+                </a:solidFill>
+              </a:rPr>
+            </a:br>
+            <a:r>
+              <a:rPr lang="en-US" u="sng" dirty="0">
+                <a:solidFill>
+                  <a:schemeClr val="tx2">
+                    <a:lumMod val="60000"/>
+                    <a:lumOff val="40000"/>
+                  </a:schemeClr>
+                </a:solidFill>
+              </a:rPr>
+              <a:t>http</a:t>
+            </a:r>
+            <a:r>
+              <a:rPr lang="en-US" u="sng" dirty="0" smtClean="0">
+                <a:solidFill>
+                  <a:schemeClr val="tx2">
+                    <a:lumMod val="60000"/>
+                    <a:lumOff val="40000"/>
+                  </a:schemeClr>
+                </a:solidFill>
+              </a:rPr>
+              <a:t>://it4business.ru</a:t>
+            </a:r>
+            <a:r>
+              <a:rPr lang="en-US" u="sng" dirty="0">
+                <a:solidFill>
+                  <a:schemeClr val="tx2">
+                    <a:lumMod val="60000"/>
+                    <a:lumOff val="40000"/>
+                  </a:schemeClr>
+                </a:solidFill>
+              </a:rPr>
+              <a:t/>
+            </a:r>
+            <a:br>
+              <a:rPr lang="en-US" u="sng" dirty="0">
+                <a:solidFill>
+                  <a:schemeClr val="tx2">
+                    <a:lumMod val="60000"/>
+                    <a:lumOff val="40000"/>
+                  </a:schemeClr>
+                </a:solidFill>
+              </a:rPr>
+            </a:br>
+            <a:r>
+              <a:rPr lang="en-US" sz="2000" dirty="0"/>
+              <a:t>Personal skills:</a:t>
+            </a:r>
+            <a:br>
+              <a:rPr lang="en-US" sz="2000" dirty="0"/>
+            </a:br>
+            <a:r>
+              <a:rPr lang="en-US" u="sng" dirty="0">
+                <a:solidFill>
+                  <a:schemeClr val="tx2">
+                    <a:lumMod val="60000"/>
+                    <a:lumOff val="40000"/>
+                  </a:schemeClr>
+                </a:solidFill>
+              </a:rPr>
+              <a:t>http://www.stratoplan.ru/</a:t>
+            </a:r>
+            <a:br>
+              <a:rPr lang="en-US" u="sng" dirty="0">
+                <a:solidFill>
+                  <a:schemeClr val="tx2">
+                    <a:lumMod val="60000"/>
+                    <a:lumOff val="40000"/>
+                  </a:schemeClr>
+                </a:solidFill>
+              </a:rPr>
+            </a:br>
+            <a:r>
+              <a:rPr lang="en-US" u="sng" dirty="0">
+                <a:solidFill>
+                  <a:schemeClr val="tx2">
+                    <a:lumMod val="60000"/>
+                    <a:lumOff val="40000"/>
+                  </a:schemeClr>
+                </a:solidFill>
+              </a:rPr>
+              <a:t>http://habrahabr.ru/company/stratoplan/profile/</a:t>
+            </a:r>
           </a:p>
         </p:txBody>
       </p:sp>
